--- a/Storm.pptx
+++ b/Storm.pptx
@@ -2,34 +2,34 @@
 <file path=ppt/presentation.xml><?xml version="1.0" encoding="utf-8"?>
 <p:presentation xmlns:a="http://schemas.openxmlformats.org/drawingml/2006/main" xmlns:r="http://schemas.openxmlformats.org/officeDocument/2006/relationships" xmlns:p="http://schemas.openxmlformats.org/presentationml/2006/main">
   <p:sldMasterIdLst>
-    <p:sldMasterId id="2147483648" r:id="rId5"/>
+    <p:sldMasterId id="2147483648" r:id="rId1"/>
   </p:sldMasterIdLst>
   <p:notesMasterIdLst>
-    <p:notesMasterId r:id="rId7"/>
+    <p:notesMasterId r:id="rId22"/>
   </p:notesMasterIdLst>
   <p:sldIdLst>
-    <p:sldId id="256" r:id="rId8"/>
-    <p:sldId id="257" r:id="rId9"/>
-    <p:sldId id="258" r:id="rId10"/>
-    <p:sldId id="259" r:id="rId11"/>
-    <p:sldId id="260" r:id="rId12"/>
-    <p:sldId id="261" r:id="rId13"/>
-    <p:sldId id="262" r:id="rId14"/>
-    <p:sldId id="263" r:id="rId15"/>
-    <p:sldId id="264" r:id="rId16"/>
-    <p:sldId id="265" r:id="rId17"/>
-    <p:sldId id="266" r:id="rId18"/>
-    <p:sldId id="267" r:id="rId19"/>
-    <p:sldId id="268" r:id="rId20"/>
-    <p:sldId id="269" r:id="rId21"/>
-    <p:sldId id="270" r:id="rId22"/>
-    <p:sldId id="271" r:id="rId23"/>
-    <p:sldId id="272" r:id="rId24"/>
-    <p:sldId id="273" r:id="rId25"/>
-    <p:sldId id="274" r:id="rId26"/>
-    <p:sldId id="275" r:id="rId27"/>
+    <p:sldId id="256" r:id="rId2"/>
+    <p:sldId id="257" r:id="rId3"/>
+    <p:sldId id="258" r:id="rId4"/>
+    <p:sldId id="259" r:id="rId5"/>
+    <p:sldId id="260" r:id="rId6"/>
+    <p:sldId id="261" r:id="rId7"/>
+    <p:sldId id="262" r:id="rId8"/>
+    <p:sldId id="263" r:id="rId9"/>
+    <p:sldId id="264" r:id="rId10"/>
+    <p:sldId id="265" r:id="rId11"/>
+    <p:sldId id="266" r:id="rId12"/>
+    <p:sldId id="267" r:id="rId13"/>
+    <p:sldId id="268" r:id="rId14"/>
+    <p:sldId id="269" r:id="rId15"/>
+    <p:sldId id="270" r:id="rId16"/>
+    <p:sldId id="271" r:id="rId17"/>
+    <p:sldId id="272" r:id="rId18"/>
+    <p:sldId id="273" r:id="rId19"/>
+    <p:sldId id="274" r:id="rId20"/>
+    <p:sldId id="275" r:id="rId21"/>
   </p:sldIdLst>
-  <p:sldSz cx="9144000" cy="6858000"/>
+  <p:sldSz cx="9144000" cy="6858000" type="screen4x3"/>
   <p:notesSz cx="6858000" cy="9144000"/>
   <p:defaultTextStyle>
     <a:defPPr marL="0" marR="0" indent="0" algn="l" defTabSz="914400" rtl="0" fontAlgn="auto" latinLnBrk="1" hangingPunct="0">
@@ -47,7 +47,7 @@
       <a:buFontTx/>
       <a:buNone/>
       <a:tabLst/>
-      <a:defRPr b="0" baseline="0" cap="none" i="0" spc="0" strike="noStrike" sz="1800" u="none" kumimoji="0" normalizeH="0">
+      <a:defRPr kumimoji="0" sz="1800" b="0" i="0" u="none" strike="noStrike" cap="none" spc="0" normalizeH="0" baseline="0">
         <a:ln>
           <a:noFill/>
         </a:ln>
@@ -73,7 +73,7 @@
       <a:buFontTx/>
       <a:buNone/>
       <a:tabLst/>
-      <a:defRPr b="0" baseline="0" cap="none" i="0" spc="0" strike="noStrike" sz="1800" u="none" kumimoji="0" normalizeH="0">
+      <a:defRPr kumimoji="0" sz="1800" b="0" i="0" u="none" strike="noStrike" cap="none" spc="0" normalizeH="0" baseline="0">
         <a:ln>
           <a:noFill/>
         </a:ln>
@@ -103,7 +103,7 @@
       <a:buFontTx/>
       <a:buNone/>
       <a:tabLst/>
-      <a:defRPr b="0" baseline="0" cap="none" i="0" spc="0" strike="noStrike" sz="1800" u="none" kumimoji="0" normalizeH="0">
+      <a:defRPr kumimoji="0" sz="1800" b="0" i="0" u="none" strike="noStrike" cap="none" spc="0" normalizeH="0" baseline="0">
         <a:ln>
           <a:noFill/>
         </a:ln>
@@ -133,7 +133,7 @@
       <a:buFontTx/>
       <a:buNone/>
       <a:tabLst/>
-      <a:defRPr b="0" baseline="0" cap="none" i="0" spc="0" strike="noStrike" sz="1800" u="none" kumimoji="0" normalizeH="0">
+      <a:defRPr kumimoji="0" sz="1800" b="0" i="0" u="none" strike="noStrike" cap="none" spc="0" normalizeH="0" baseline="0">
         <a:ln>
           <a:noFill/>
         </a:ln>
@@ -163,7 +163,7 @@
       <a:buFontTx/>
       <a:buNone/>
       <a:tabLst/>
-      <a:defRPr b="0" baseline="0" cap="none" i="0" spc="0" strike="noStrike" sz="1800" u="none" kumimoji="0" normalizeH="0">
+      <a:defRPr kumimoji="0" sz="1800" b="0" i="0" u="none" strike="noStrike" cap="none" spc="0" normalizeH="0" baseline="0">
         <a:ln>
           <a:noFill/>
         </a:ln>
@@ -193,7 +193,7 @@
       <a:buFontTx/>
       <a:buNone/>
       <a:tabLst/>
-      <a:defRPr b="0" baseline="0" cap="none" i="0" spc="0" strike="noStrike" sz="1800" u="none" kumimoji="0" normalizeH="0">
+      <a:defRPr kumimoji="0" sz="1800" b="0" i="0" u="none" strike="noStrike" cap="none" spc="0" normalizeH="0" baseline="0">
         <a:ln>
           <a:noFill/>
         </a:ln>
@@ -223,7 +223,7 @@
       <a:buFontTx/>
       <a:buNone/>
       <a:tabLst/>
-      <a:defRPr b="0" baseline="0" cap="none" i="0" spc="0" strike="noStrike" sz="1800" u="none" kumimoji="0" normalizeH="0">
+      <a:defRPr kumimoji="0" sz="1800" b="0" i="0" u="none" strike="noStrike" cap="none" spc="0" normalizeH="0" baseline="0">
         <a:ln>
           <a:noFill/>
         </a:ln>
@@ -253,7 +253,7 @@
       <a:buFontTx/>
       <a:buNone/>
       <a:tabLst/>
-      <a:defRPr b="0" baseline="0" cap="none" i="0" spc="0" strike="noStrike" sz="1800" u="none" kumimoji="0" normalizeH="0">
+      <a:defRPr kumimoji="0" sz="1800" b="0" i="0" u="none" strike="noStrike" cap="none" spc="0" normalizeH="0" baseline="0">
         <a:ln>
           <a:noFill/>
         </a:ln>
@@ -283,7 +283,7 @@
       <a:buFontTx/>
       <a:buNone/>
       <a:tabLst/>
-      <a:defRPr b="0" baseline="0" cap="none" i="0" spc="0" strike="noStrike" sz="1800" u="none" kumimoji="0" normalizeH="0">
+      <a:defRPr kumimoji="0" sz="1800" b="0" i="0" u="none" strike="noStrike" cap="none" spc="0" normalizeH="0" baseline="0">
         <a:ln>
           <a:noFill/>
         </a:ln>
@@ -313,7 +313,7 @@
       <a:buFontTx/>
       <a:buNone/>
       <a:tabLst/>
-      <a:defRPr b="0" baseline="0" cap="none" i="0" spc="0" strike="noStrike" sz="1800" u="none" kumimoji="0" normalizeH="0">
+      <a:defRPr kumimoji="0" sz="1800" b="0" i="0" u="none" strike="noStrike" cap="none" spc="0" normalizeH="0" baseline="0">
         <a:ln>
           <a:noFill/>
         </a:ln>
@@ -332,13 +332,14 @@
 </p:presentation>
 </file>
 
-<file path=ppt/commentAuthors.xml><?xml version="1.0" encoding="utf-8"?>
-<p:cmAuthorLst xmlns:a="http://schemas.openxmlformats.org/drawingml/2006/main" xmlns:r="http://schemas.openxmlformats.org/officeDocument/2006/relationships" xmlns:p="http://schemas.openxmlformats.org/presentationml/2006/main"/>
-</file>
-
 <file path=ppt/notesMasters/notesMaster1.xml><?xml version="1.0" encoding="utf-8"?>
 <p:notesMaster xmlns:a="http://schemas.openxmlformats.org/drawingml/2006/main" xmlns:r="http://schemas.openxmlformats.org/officeDocument/2006/relationships" xmlns:p="http://schemas.openxmlformats.org/presentationml/2006/main">
   <p:cSld>
+    <p:bg>
+      <p:bgRef idx="1001">
+        <a:schemeClr val="bg1"/>
+      </p:bgRef>
+    </p:bg>
     <p:spTree>
       <p:nvGrpSpPr>
         <p:cNvPr id="1" name=""/>
@@ -356,7 +357,9 @@
       <p:sp>
         <p:nvSpPr>
           <p:cNvPr id="109" name="Shape 109"/>
-          <p:cNvSpPr/>
+          <p:cNvSpPr>
+            <a:spLocks noGrp="1" noRot="1" noChangeAspect="1"/>
+          </p:cNvSpPr>
           <p:nvPr>
             <p:ph type="sldImg"/>
           </p:nvPr>
@@ -374,14 +377,16 @@
           <a:bodyPr/>
           <a:lstStyle/>
           <a:p>
-            <a:pPr/>
+            <a:endParaRPr/>
           </a:p>
         </p:txBody>
       </p:sp>
       <p:sp>
         <p:nvSpPr>
           <p:cNvPr id="110" name="Shape 110"/>
-          <p:cNvSpPr/>
+          <p:cNvSpPr>
+            <a:spLocks noGrp="1"/>
+          </p:cNvSpPr>
           <p:nvPr>
             <p:ph type="body" sz="quarter" idx="1"/>
           </p:nvPr>
@@ -399,11 +404,16 @@
           <a:bodyPr/>
           <a:lstStyle/>
           <a:p>
-            <a:pPr/>
+            <a:endParaRPr/>
           </a:p>
         </p:txBody>
       </p:sp>
     </p:spTree>
+    <p:extLst>
+      <p:ext uri="{BB962C8B-B14F-4D97-AF65-F5344CB8AC3E}">
+        <p14:creationId xmlns:p14="http://schemas.microsoft.com/office/powerpoint/2010/main" val="2441590876"/>
+      </p:ext>
+    </p:extLst>
   </p:cSld>
   <p:clrMap bg1="lt1" tx1="dk1" bg2="lt2" tx2="dk2" accent1="accent1" accent2="accent2" accent3="accent3" accent4="accent4" accent5="accent5" accent6="accent6" hlink="hlink" folHlink="folHlink"/>
   <p:notesStyle>
@@ -484,7 +494,7 @@
 </file>
 
 <file path=ppt/slideLayouts/slideLayout1.xml><?xml version="1.0" encoding="utf-8"?>
-<p:sldLayout xmlns:a="http://schemas.openxmlformats.org/drawingml/2006/main" xmlns:r="http://schemas.openxmlformats.org/officeDocument/2006/relationships" xmlns:p="http://schemas.openxmlformats.org/presentationml/2006/main" type="title" showMasterSp="1" showMasterPhAnim="1">
+<p:sldLayout xmlns:a="http://schemas.openxmlformats.org/drawingml/2006/main" xmlns:r="http://schemas.openxmlformats.org/officeDocument/2006/relationships" xmlns:p="http://schemas.openxmlformats.org/presentationml/2006/main" type="title">
   <p:cSld name="Title Slide">
     <p:spTree>
       <p:nvGrpSpPr>
@@ -503,7 +513,9 @@
       <p:sp>
         <p:nvSpPr>
           <p:cNvPr id="11" name="Shape 11"/>
-          <p:cNvSpPr/>
+          <p:cNvSpPr>
+            <a:spLocks noGrp="1"/>
+          </p:cNvSpPr>
           <p:nvPr>
             <p:ph type="title"/>
           </p:nvPr>
@@ -521,7 +533,6 @@
           <a:bodyPr/>
           <a:lstStyle/>
           <a:p>
-            <a:pPr/>
             <a:r>
               <a:t>Title Text</a:t>
             </a:r>
@@ -531,7 +542,9 @@
       <p:sp>
         <p:nvSpPr>
           <p:cNvPr id="12" name="Shape 12"/>
-          <p:cNvSpPr/>
+          <p:cNvSpPr>
+            <a:spLocks noGrp="1"/>
+          </p:cNvSpPr>
           <p:nvPr>
             <p:ph type="body" sz="quarter" idx="1"/>
           </p:nvPr>
@@ -600,7 +613,6 @@
             </a:lvl5pPr>
           </a:lstStyle>
           <a:p>
-            <a:pPr/>
             <a:r>
               <a:t>Body Level One</a:t>
             </a:r>
@@ -634,7 +646,9 @@
       <p:sp>
         <p:nvSpPr>
           <p:cNvPr id="13" name="Shape 13"/>
-          <p:cNvSpPr/>
+          <p:cNvSpPr>
+            <a:spLocks noGrp="1"/>
+          </p:cNvSpPr>
           <p:nvPr>
             <p:ph type="sldNum" sz="quarter" idx="2"/>
           </p:nvPr>
@@ -648,8 +662,10 @@
           <a:bodyPr/>
           <a:lstStyle/>
           <a:p>
-            <a:pPr/>
-            <a:fld id="{86CB4B4D-7CA3-9044-876B-883B54F8677D}" type="slidenum"/>
+            <a:fld id="{86CB4B4D-7CA3-9044-876B-883B54F8677D}" type="slidenum">
+              <a:t>‹#›</a:t>
+            </a:fld>
+            <a:endParaRPr/>
           </a:p>
         </p:txBody>
       </p:sp>
@@ -658,12 +674,12 @@
   <p:clrMapOvr>
     <a:masterClrMapping/>
   </p:clrMapOvr>
-  <p:transition xmlns:p14="http://schemas.microsoft.com/office/powerpoint/2010/main" spd="med" advClick="1"/>
+  <p:transition xmlns:p14="http://schemas.microsoft.com/office/powerpoint/2010/main" spd="med"/>
 </p:sldLayout>
 </file>
 
 <file path=ppt/slideLayouts/slideLayout10.xml><?xml version="1.0" encoding="utf-8"?>
-<p:sldLayout xmlns:a="http://schemas.openxmlformats.org/drawingml/2006/main" xmlns:r="http://schemas.openxmlformats.org/officeDocument/2006/relationships" xmlns:p="http://schemas.openxmlformats.org/presentationml/2006/main" type="tx" showMasterSp="1" showMasterPhAnim="1">
+<p:sldLayout xmlns:a="http://schemas.openxmlformats.org/drawingml/2006/main" xmlns:r="http://schemas.openxmlformats.org/officeDocument/2006/relationships" xmlns:p="http://schemas.openxmlformats.org/presentationml/2006/main" type="tx">
   <p:cSld name="Title and Vertical Text">
     <p:spTree>
       <p:nvGrpSpPr>
@@ -682,7 +698,9 @@
       <p:sp>
         <p:nvSpPr>
           <p:cNvPr id="92" name="Shape 92"/>
-          <p:cNvSpPr/>
+          <p:cNvSpPr>
+            <a:spLocks noGrp="1"/>
+          </p:cNvSpPr>
           <p:nvPr>
             <p:ph type="title"/>
           </p:nvPr>
@@ -696,7 +714,6 @@
           <a:bodyPr/>
           <a:lstStyle/>
           <a:p>
-            <a:pPr/>
             <a:r>
               <a:t>Title Text</a:t>
             </a:r>
@@ -706,7 +723,9 @@
       <p:sp>
         <p:nvSpPr>
           <p:cNvPr id="93" name="Shape 93"/>
-          <p:cNvSpPr/>
+          <p:cNvSpPr>
+            <a:spLocks noGrp="1"/>
+          </p:cNvSpPr>
           <p:nvPr>
             <p:ph type="body" idx="1"/>
           </p:nvPr>
@@ -720,7 +739,6 @@
           <a:bodyPr/>
           <a:lstStyle/>
           <a:p>
-            <a:pPr/>
             <a:r>
               <a:t>Body Level One</a:t>
             </a:r>
@@ -754,7 +772,9 @@
       <p:sp>
         <p:nvSpPr>
           <p:cNvPr id="94" name="Shape 94"/>
-          <p:cNvSpPr/>
+          <p:cNvSpPr>
+            <a:spLocks noGrp="1"/>
+          </p:cNvSpPr>
           <p:nvPr>
             <p:ph type="sldNum" sz="quarter" idx="2"/>
           </p:nvPr>
@@ -768,8 +788,10 @@
           <a:bodyPr/>
           <a:lstStyle/>
           <a:p>
-            <a:pPr/>
-            <a:fld id="{86CB4B4D-7CA3-9044-876B-883B54F8677D}" type="slidenum"/>
+            <a:fld id="{86CB4B4D-7CA3-9044-876B-883B54F8677D}" type="slidenum">
+              <a:t>‹#›</a:t>
+            </a:fld>
+            <a:endParaRPr/>
           </a:p>
         </p:txBody>
       </p:sp>
@@ -778,12 +800,12 @@
   <p:clrMapOvr>
     <a:masterClrMapping/>
   </p:clrMapOvr>
-  <p:transition xmlns:p14="http://schemas.microsoft.com/office/powerpoint/2010/main" spd="med" advClick="1"/>
+  <p:transition xmlns:p14="http://schemas.microsoft.com/office/powerpoint/2010/main" spd="med"/>
 </p:sldLayout>
 </file>
 
 <file path=ppt/slideLayouts/slideLayout11.xml><?xml version="1.0" encoding="utf-8"?>
-<p:sldLayout xmlns:a="http://schemas.openxmlformats.org/drawingml/2006/main" xmlns:r="http://schemas.openxmlformats.org/officeDocument/2006/relationships" xmlns:p="http://schemas.openxmlformats.org/presentationml/2006/main" type="tx" showMasterSp="1" showMasterPhAnim="1">
+<p:sldLayout xmlns:a="http://schemas.openxmlformats.org/drawingml/2006/main" xmlns:r="http://schemas.openxmlformats.org/officeDocument/2006/relationships" xmlns:p="http://schemas.openxmlformats.org/presentationml/2006/main" type="tx">
   <p:cSld name="Vertical Title and Text">
     <p:spTree>
       <p:nvGrpSpPr>
@@ -802,7 +824,9 @@
       <p:sp>
         <p:nvSpPr>
           <p:cNvPr id="101" name="Shape 101"/>
-          <p:cNvSpPr/>
+          <p:cNvSpPr>
+            <a:spLocks noGrp="1"/>
+          </p:cNvSpPr>
           <p:nvPr>
             <p:ph type="title"/>
           </p:nvPr>
@@ -820,7 +844,6 @@
           <a:bodyPr/>
           <a:lstStyle/>
           <a:p>
-            <a:pPr/>
             <a:r>
               <a:t>Title Text</a:t>
             </a:r>
@@ -830,7 +853,9 @@
       <p:sp>
         <p:nvSpPr>
           <p:cNvPr id="102" name="Shape 102"/>
-          <p:cNvSpPr/>
+          <p:cNvSpPr>
+            <a:spLocks noGrp="1"/>
+          </p:cNvSpPr>
           <p:nvPr>
             <p:ph type="body" idx="1"/>
           </p:nvPr>
@@ -848,7 +873,6 @@
           <a:bodyPr/>
           <a:lstStyle/>
           <a:p>
-            <a:pPr/>
             <a:r>
               <a:t>Body Level One</a:t>
             </a:r>
@@ -882,7 +906,9 @@
       <p:sp>
         <p:nvSpPr>
           <p:cNvPr id="103" name="Shape 103"/>
-          <p:cNvSpPr/>
+          <p:cNvSpPr>
+            <a:spLocks noGrp="1"/>
+          </p:cNvSpPr>
           <p:nvPr>
             <p:ph type="sldNum" sz="quarter" idx="2"/>
           </p:nvPr>
@@ -896,8 +922,10 @@
           <a:bodyPr/>
           <a:lstStyle/>
           <a:p>
-            <a:pPr/>
-            <a:fld id="{86CB4B4D-7CA3-9044-876B-883B54F8677D}" type="slidenum"/>
+            <a:fld id="{86CB4B4D-7CA3-9044-876B-883B54F8677D}" type="slidenum">
+              <a:t>‹#›</a:t>
+            </a:fld>
+            <a:endParaRPr/>
           </a:p>
         </p:txBody>
       </p:sp>
@@ -906,12 +934,12 @@
   <p:clrMapOvr>
     <a:masterClrMapping/>
   </p:clrMapOvr>
-  <p:transition xmlns:p14="http://schemas.microsoft.com/office/powerpoint/2010/main" spd="med" advClick="1"/>
+  <p:transition xmlns:p14="http://schemas.microsoft.com/office/powerpoint/2010/main" spd="med"/>
 </p:sldLayout>
 </file>
 
 <file path=ppt/slideLayouts/slideLayout2.xml><?xml version="1.0" encoding="utf-8"?>
-<p:sldLayout xmlns:a="http://schemas.openxmlformats.org/drawingml/2006/main" xmlns:r="http://schemas.openxmlformats.org/officeDocument/2006/relationships" xmlns:p="http://schemas.openxmlformats.org/presentationml/2006/main" type="tx" showMasterSp="1" showMasterPhAnim="1">
+<p:sldLayout xmlns:a="http://schemas.openxmlformats.org/drawingml/2006/main" xmlns:r="http://schemas.openxmlformats.org/officeDocument/2006/relationships" xmlns:p="http://schemas.openxmlformats.org/presentationml/2006/main" type="tx">
   <p:cSld name="Title and Content">
     <p:spTree>
       <p:nvGrpSpPr>
@@ -930,7 +958,9 @@
       <p:sp>
         <p:nvSpPr>
           <p:cNvPr id="20" name="Shape 20"/>
-          <p:cNvSpPr/>
+          <p:cNvSpPr>
+            <a:spLocks noGrp="1"/>
+          </p:cNvSpPr>
           <p:nvPr>
             <p:ph type="title"/>
           </p:nvPr>
@@ -944,7 +974,6 @@
           <a:bodyPr/>
           <a:lstStyle/>
           <a:p>
-            <a:pPr/>
             <a:r>
               <a:t>Title Text</a:t>
             </a:r>
@@ -954,7 +983,9 @@
       <p:sp>
         <p:nvSpPr>
           <p:cNvPr id="21" name="Shape 21"/>
-          <p:cNvSpPr/>
+          <p:cNvSpPr>
+            <a:spLocks noGrp="1"/>
+          </p:cNvSpPr>
           <p:nvPr>
             <p:ph type="body" idx="1"/>
           </p:nvPr>
@@ -968,7 +999,6 @@
           <a:bodyPr/>
           <a:lstStyle/>
           <a:p>
-            <a:pPr/>
             <a:r>
               <a:t>Body Level One</a:t>
             </a:r>
@@ -1002,7 +1032,9 @@
       <p:sp>
         <p:nvSpPr>
           <p:cNvPr id="22" name="Shape 22"/>
-          <p:cNvSpPr/>
+          <p:cNvSpPr>
+            <a:spLocks noGrp="1"/>
+          </p:cNvSpPr>
           <p:nvPr>
             <p:ph type="sldNum" sz="quarter" idx="2"/>
           </p:nvPr>
@@ -1016,8 +1048,10 @@
           <a:bodyPr/>
           <a:lstStyle/>
           <a:p>
-            <a:pPr/>
-            <a:fld id="{86CB4B4D-7CA3-9044-876B-883B54F8677D}" type="slidenum"/>
+            <a:fld id="{86CB4B4D-7CA3-9044-876B-883B54F8677D}" type="slidenum">
+              <a:t>‹#›</a:t>
+            </a:fld>
+            <a:endParaRPr/>
           </a:p>
         </p:txBody>
       </p:sp>
@@ -1026,12 +1060,12 @@
   <p:clrMapOvr>
     <a:masterClrMapping/>
   </p:clrMapOvr>
-  <p:transition xmlns:p14="http://schemas.microsoft.com/office/powerpoint/2010/main" spd="med" advClick="1"/>
+  <p:transition xmlns:p14="http://schemas.microsoft.com/office/powerpoint/2010/main" spd="med"/>
 </p:sldLayout>
 </file>
 
 <file path=ppt/slideLayouts/slideLayout3.xml><?xml version="1.0" encoding="utf-8"?>
-<p:sldLayout xmlns:a="http://schemas.openxmlformats.org/drawingml/2006/main" xmlns:r="http://schemas.openxmlformats.org/officeDocument/2006/relationships" xmlns:p="http://schemas.openxmlformats.org/presentationml/2006/main" type="tx" showMasterSp="1" showMasterPhAnim="1">
+<p:sldLayout xmlns:a="http://schemas.openxmlformats.org/drawingml/2006/main" xmlns:r="http://schemas.openxmlformats.org/officeDocument/2006/relationships" xmlns:p="http://schemas.openxmlformats.org/presentationml/2006/main" type="tx">
   <p:cSld name="Section Header">
     <p:spTree>
       <p:nvGrpSpPr>
@@ -1050,7 +1084,9 @@
       <p:sp>
         <p:nvSpPr>
           <p:cNvPr id="29" name="Shape 29"/>
-          <p:cNvSpPr/>
+          <p:cNvSpPr>
+            <a:spLocks noGrp="1"/>
+          </p:cNvSpPr>
           <p:nvPr>
             <p:ph type="title"/>
           </p:nvPr>
@@ -1068,11 +1104,10 @@
           <a:bodyPr anchor="t"/>
           <a:lstStyle>
             <a:lvl1pPr algn="l">
-              <a:defRPr b="1" cap="all" sz="4000"/>
+              <a:defRPr sz="4000" b="1" cap="all"/>
             </a:lvl1pPr>
           </a:lstStyle>
           <a:p>
-            <a:pPr/>
             <a:r>
               <a:t>Title Text</a:t>
             </a:r>
@@ -1082,7 +1117,9 @@
       <p:sp>
         <p:nvSpPr>
           <p:cNvPr id="30" name="Shape 30"/>
-          <p:cNvSpPr/>
+          <p:cNvSpPr>
+            <a:spLocks noGrp="1"/>
+          </p:cNvSpPr>
           <p:nvPr>
             <p:ph type="body" sz="quarter" idx="1"/>
           </p:nvPr>
@@ -1166,7 +1203,6 @@
             </a:lvl5pPr>
           </a:lstStyle>
           <a:p>
-            <a:pPr/>
             <a:r>
               <a:t>Body Level One</a:t>
             </a:r>
@@ -1200,7 +1236,9 @@
       <p:sp>
         <p:nvSpPr>
           <p:cNvPr id="31" name="Shape 31"/>
-          <p:cNvSpPr/>
+          <p:cNvSpPr>
+            <a:spLocks noGrp="1"/>
+          </p:cNvSpPr>
           <p:nvPr>
             <p:ph type="sldNum" sz="quarter" idx="2"/>
           </p:nvPr>
@@ -1214,8 +1252,10 @@
           <a:bodyPr/>
           <a:lstStyle/>
           <a:p>
-            <a:pPr/>
-            <a:fld id="{86CB4B4D-7CA3-9044-876B-883B54F8677D}" type="slidenum"/>
+            <a:fld id="{86CB4B4D-7CA3-9044-876B-883B54F8677D}" type="slidenum">
+              <a:t>‹#›</a:t>
+            </a:fld>
+            <a:endParaRPr/>
           </a:p>
         </p:txBody>
       </p:sp>
@@ -1224,12 +1264,12 @@
   <p:clrMapOvr>
     <a:masterClrMapping/>
   </p:clrMapOvr>
-  <p:transition xmlns:p14="http://schemas.microsoft.com/office/powerpoint/2010/main" spd="med" advClick="1"/>
+  <p:transition xmlns:p14="http://schemas.microsoft.com/office/powerpoint/2010/main" spd="med"/>
 </p:sldLayout>
 </file>
 
 <file path=ppt/slideLayouts/slideLayout4.xml><?xml version="1.0" encoding="utf-8"?>
-<p:sldLayout xmlns:a="http://schemas.openxmlformats.org/drawingml/2006/main" xmlns:r="http://schemas.openxmlformats.org/officeDocument/2006/relationships" xmlns:p="http://schemas.openxmlformats.org/presentationml/2006/main" type="tx" showMasterSp="1" showMasterPhAnim="1">
+<p:sldLayout xmlns:a="http://schemas.openxmlformats.org/drawingml/2006/main" xmlns:r="http://schemas.openxmlformats.org/officeDocument/2006/relationships" xmlns:p="http://schemas.openxmlformats.org/presentationml/2006/main" type="tx">
   <p:cSld name="Two Content">
     <p:spTree>
       <p:nvGrpSpPr>
@@ -1248,7 +1288,9 @@
       <p:sp>
         <p:nvSpPr>
           <p:cNvPr id="38" name="Shape 38"/>
-          <p:cNvSpPr/>
+          <p:cNvSpPr>
+            <a:spLocks noGrp="1"/>
+          </p:cNvSpPr>
           <p:nvPr>
             <p:ph type="title"/>
           </p:nvPr>
@@ -1262,7 +1304,6 @@
           <a:bodyPr/>
           <a:lstStyle/>
           <a:p>
-            <a:pPr/>
             <a:r>
               <a:t>Title Text</a:t>
             </a:r>
@@ -1272,7 +1313,9 @@
       <p:sp>
         <p:nvSpPr>
           <p:cNvPr id="39" name="Shape 39"/>
-          <p:cNvSpPr/>
+          <p:cNvSpPr>
+            <a:spLocks noGrp="1"/>
+          </p:cNvSpPr>
           <p:nvPr>
             <p:ph type="body" sz="half" idx="1"/>
           </p:nvPr>
@@ -1321,7 +1364,6 @@
             </a:lvl5pPr>
           </a:lstStyle>
           <a:p>
-            <a:pPr/>
             <a:r>
               <a:t>Body Level One</a:t>
             </a:r>
@@ -1355,7 +1397,9 @@
       <p:sp>
         <p:nvSpPr>
           <p:cNvPr id="40" name="Shape 40"/>
-          <p:cNvSpPr/>
+          <p:cNvSpPr>
+            <a:spLocks noGrp="1"/>
+          </p:cNvSpPr>
           <p:nvPr>
             <p:ph type="sldNum" sz="quarter" idx="2"/>
           </p:nvPr>
@@ -1369,8 +1413,10 @@
           <a:bodyPr/>
           <a:lstStyle/>
           <a:p>
-            <a:pPr/>
-            <a:fld id="{86CB4B4D-7CA3-9044-876B-883B54F8677D}" type="slidenum"/>
+            <a:fld id="{86CB4B4D-7CA3-9044-876B-883B54F8677D}" type="slidenum">
+              <a:t>‹#›</a:t>
+            </a:fld>
+            <a:endParaRPr/>
           </a:p>
         </p:txBody>
       </p:sp>
@@ -1379,12 +1425,12 @@
   <p:clrMapOvr>
     <a:masterClrMapping/>
   </p:clrMapOvr>
-  <p:transition xmlns:p14="http://schemas.microsoft.com/office/powerpoint/2010/main" spd="med" advClick="1"/>
+  <p:transition xmlns:p14="http://schemas.microsoft.com/office/powerpoint/2010/main" spd="med"/>
 </p:sldLayout>
 </file>
 
 <file path=ppt/slideLayouts/slideLayout5.xml><?xml version="1.0" encoding="utf-8"?>
-<p:sldLayout xmlns:a="http://schemas.openxmlformats.org/drawingml/2006/main" xmlns:r="http://schemas.openxmlformats.org/officeDocument/2006/relationships" xmlns:p="http://schemas.openxmlformats.org/presentationml/2006/main" type="tx" showMasterSp="1" showMasterPhAnim="1">
+<p:sldLayout xmlns:a="http://schemas.openxmlformats.org/drawingml/2006/main" xmlns:r="http://schemas.openxmlformats.org/officeDocument/2006/relationships" xmlns:p="http://schemas.openxmlformats.org/presentationml/2006/main" type="tx">
   <p:cSld name="Comparison">
     <p:spTree>
       <p:nvGrpSpPr>
@@ -1403,7 +1449,9 @@
       <p:sp>
         <p:nvSpPr>
           <p:cNvPr id="47" name="Shape 47"/>
-          <p:cNvSpPr/>
+          <p:cNvSpPr>
+            <a:spLocks noGrp="1"/>
+          </p:cNvSpPr>
           <p:nvPr>
             <p:ph type="title"/>
           </p:nvPr>
@@ -1417,7 +1465,6 @@
           <a:bodyPr/>
           <a:lstStyle/>
           <a:p>
-            <a:pPr/>
             <a:r>
               <a:t>Title Text</a:t>
             </a:r>
@@ -1427,7 +1474,9 @@
       <p:sp>
         <p:nvSpPr>
           <p:cNvPr id="48" name="Shape 48"/>
-          <p:cNvSpPr/>
+          <p:cNvSpPr>
+            <a:spLocks noGrp="1"/>
+          </p:cNvSpPr>
           <p:nvPr>
             <p:ph type="body" sz="quarter" idx="1"/>
           </p:nvPr>
@@ -1451,7 +1500,7 @@
               <a:buSzTx/>
               <a:buFontTx/>
               <a:buNone/>
-              <a:defRPr b="1" sz="2400"/>
+              <a:defRPr sz="2400" b="1"/>
             </a:lvl1pPr>
             <a:lvl2pPr marL="0" indent="457200">
               <a:spcBef>
@@ -1460,7 +1509,7 @@
               <a:buSzTx/>
               <a:buFontTx/>
               <a:buNone/>
-              <a:defRPr b="1" sz="2400"/>
+              <a:defRPr sz="2400" b="1"/>
             </a:lvl2pPr>
             <a:lvl3pPr marL="0" indent="914400">
               <a:spcBef>
@@ -1469,7 +1518,7 @@
               <a:buSzTx/>
               <a:buFontTx/>
               <a:buNone/>
-              <a:defRPr b="1" sz="2400"/>
+              <a:defRPr sz="2400" b="1"/>
             </a:lvl3pPr>
             <a:lvl4pPr marL="0" indent="1371600">
               <a:spcBef>
@@ -1478,7 +1527,7 @@
               <a:buSzTx/>
               <a:buFontTx/>
               <a:buNone/>
-              <a:defRPr b="1" sz="2400"/>
+              <a:defRPr sz="2400" b="1"/>
             </a:lvl4pPr>
             <a:lvl5pPr marL="0" indent="1828800">
               <a:spcBef>
@@ -1487,11 +1536,10 @@
               <a:buSzTx/>
               <a:buFontTx/>
               <a:buNone/>
-              <a:defRPr b="1" sz="2400"/>
+              <a:defRPr sz="2400" b="1"/>
             </a:lvl5pPr>
           </a:lstStyle>
           <a:p>
-            <a:pPr/>
             <a:r>
               <a:t>Body Level One</a:t>
             </a:r>
@@ -1525,7 +1573,9 @@
       <p:sp>
         <p:nvSpPr>
           <p:cNvPr id="49" name="Shape 49"/>
-          <p:cNvSpPr/>
+          <p:cNvSpPr>
+            <a:spLocks noGrp="1"/>
+          </p:cNvSpPr>
           <p:nvPr>
             <p:ph type="body" sz="quarter" idx="13"/>
           </p:nvPr>
@@ -1550,15 +1600,18 @@
               <a:buSzTx/>
               <a:buFontTx/>
               <a:buNone/>
-              <a:defRPr b="1" sz="2400"/>
+              <a:defRPr sz="2400" b="1"/>
             </a:pPr>
+            <a:endParaRPr/>
           </a:p>
         </p:txBody>
       </p:sp>
       <p:sp>
         <p:nvSpPr>
           <p:cNvPr id="50" name="Shape 50"/>
-          <p:cNvSpPr/>
+          <p:cNvSpPr>
+            <a:spLocks noGrp="1"/>
+          </p:cNvSpPr>
           <p:nvPr>
             <p:ph type="sldNum" sz="quarter" idx="2"/>
           </p:nvPr>
@@ -1572,8 +1625,10 @@
           <a:bodyPr/>
           <a:lstStyle/>
           <a:p>
-            <a:pPr/>
-            <a:fld id="{86CB4B4D-7CA3-9044-876B-883B54F8677D}" type="slidenum"/>
+            <a:fld id="{86CB4B4D-7CA3-9044-876B-883B54F8677D}" type="slidenum">
+              <a:t>‹#›</a:t>
+            </a:fld>
+            <a:endParaRPr/>
           </a:p>
         </p:txBody>
       </p:sp>
@@ -1582,12 +1637,12 @@
   <p:clrMapOvr>
     <a:masterClrMapping/>
   </p:clrMapOvr>
-  <p:transition xmlns:p14="http://schemas.microsoft.com/office/powerpoint/2010/main" spd="med" advClick="1"/>
+  <p:transition xmlns:p14="http://schemas.microsoft.com/office/powerpoint/2010/main" spd="med"/>
 </p:sldLayout>
 </file>
 
 <file path=ppt/slideLayouts/slideLayout6.xml><?xml version="1.0" encoding="utf-8"?>
-<p:sldLayout xmlns:a="http://schemas.openxmlformats.org/drawingml/2006/main" xmlns:r="http://schemas.openxmlformats.org/officeDocument/2006/relationships" xmlns:p="http://schemas.openxmlformats.org/presentationml/2006/main" type="tx" showMasterSp="1" showMasterPhAnim="1">
+<p:sldLayout xmlns:a="http://schemas.openxmlformats.org/drawingml/2006/main" xmlns:r="http://schemas.openxmlformats.org/officeDocument/2006/relationships" xmlns:p="http://schemas.openxmlformats.org/presentationml/2006/main" type="tx">
   <p:cSld name="Title Only">
     <p:spTree>
       <p:nvGrpSpPr>
@@ -1606,7 +1661,9 @@
       <p:sp>
         <p:nvSpPr>
           <p:cNvPr id="57" name="Shape 57"/>
-          <p:cNvSpPr/>
+          <p:cNvSpPr>
+            <a:spLocks noGrp="1"/>
+          </p:cNvSpPr>
           <p:nvPr>
             <p:ph type="title"/>
           </p:nvPr>
@@ -1620,7 +1677,6 @@
           <a:bodyPr/>
           <a:lstStyle/>
           <a:p>
-            <a:pPr/>
             <a:r>
               <a:t>Title Text</a:t>
             </a:r>
@@ -1630,7 +1686,9 @@
       <p:sp>
         <p:nvSpPr>
           <p:cNvPr id="58" name="Shape 58"/>
-          <p:cNvSpPr/>
+          <p:cNvSpPr>
+            <a:spLocks noGrp="1"/>
+          </p:cNvSpPr>
           <p:nvPr>
             <p:ph type="sldNum" sz="quarter" idx="2"/>
           </p:nvPr>
@@ -1644,8 +1702,10 @@
           <a:bodyPr/>
           <a:lstStyle/>
           <a:p>
-            <a:pPr/>
-            <a:fld id="{86CB4B4D-7CA3-9044-876B-883B54F8677D}" type="slidenum"/>
+            <a:fld id="{86CB4B4D-7CA3-9044-876B-883B54F8677D}" type="slidenum">
+              <a:t>‹#›</a:t>
+            </a:fld>
+            <a:endParaRPr/>
           </a:p>
         </p:txBody>
       </p:sp>
@@ -1654,12 +1714,12 @@
   <p:clrMapOvr>
     <a:masterClrMapping/>
   </p:clrMapOvr>
-  <p:transition xmlns:p14="http://schemas.microsoft.com/office/powerpoint/2010/main" spd="med" advClick="1"/>
+  <p:transition xmlns:p14="http://schemas.microsoft.com/office/powerpoint/2010/main" spd="med"/>
 </p:sldLayout>
 </file>
 
 <file path=ppt/slideLayouts/slideLayout7.xml><?xml version="1.0" encoding="utf-8"?>
-<p:sldLayout xmlns:a="http://schemas.openxmlformats.org/drawingml/2006/main" xmlns:r="http://schemas.openxmlformats.org/officeDocument/2006/relationships" xmlns:p="http://schemas.openxmlformats.org/presentationml/2006/main" type="tx" showMasterSp="1" showMasterPhAnim="1">
+<p:sldLayout xmlns:a="http://schemas.openxmlformats.org/drawingml/2006/main" xmlns:r="http://schemas.openxmlformats.org/officeDocument/2006/relationships" xmlns:p="http://schemas.openxmlformats.org/presentationml/2006/main" type="tx">
   <p:cSld name="Blank">
     <p:spTree>
       <p:nvGrpSpPr>
@@ -1678,7 +1738,9 @@
       <p:sp>
         <p:nvSpPr>
           <p:cNvPr id="65" name="Shape 65"/>
-          <p:cNvSpPr/>
+          <p:cNvSpPr>
+            <a:spLocks noGrp="1"/>
+          </p:cNvSpPr>
           <p:nvPr>
             <p:ph type="sldNum" sz="quarter" idx="2"/>
           </p:nvPr>
@@ -1692,8 +1754,10 @@
           <a:bodyPr/>
           <a:lstStyle/>
           <a:p>
-            <a:pPr/>
-            <a:fld id="{86CB4B4D-7CA3-9044-876B-883B54F8677D}" type="slidenum"/>
+            <a:fld id="{86CB4B4D-7CA3-9044-876B-883B54F8677D}" type="slidenum">
+              <a:t>‹#›</a:t>
+            </a:fld>
+            <a:endParaRPr/>
           </a:p>
         </p:txBody>
       </p:sp>
@@ -1702,12 +1766,12 @@
   <p:clrMapOvr>
     <a:masterClrMapping/>
   </p:clrMapOvr>
-  <p:transition xmlns:p14="http://schemas.microsoft.com/office/powerpoint/2010/main" spd="med" advClick="1"/>
+  <p:transition xmlns:p14="http://schemas.microsoft.com/office/powerpoint/2010/main" spd="med"/>
 </p:sldLayout>
 </file>
 
 <file path=ppt/slideLayouts/slideLayout8.xml><?xml version="1.0" encoding="utf-8"?>
-<p:sldLayout xmlns:a="http://schemas.openxmlformats.org/drawingml/2006/main" xmlns:r="http://schemas.openxmlformats.org/officeDocument/2006/relationships" xmlns:p="http://schemas.openxmlformats.org/presentationml/2006/main" type="tx" showMasterSp="1" showMasterPhAnim="1">
+<p:sldLayout xmlns:a="http://schemas.openxmlformats.org/drawingml/2006/main" xmlns:r="http://schemas.openxmlformats.org/officeDocument/2006/relationships" xmlns:p="http://schemas.openxmlformats.org/presentationml/2006/main" type="tx">
   <p:cSld name="Content with Caption">
     <p:spTree>
       <p:nvGrpSpPr>
@@ -1726,7 +1790,9 @@
       <p:sp>
         <p:nvSpPr>
           <p:cNvPr id="72" name="Shape 72"/>
-          <p:cNvSpPr/>
+          <p:cNvSpPr>
+            <a:spLocks noGrp="1"/>
+          </p:cNvSpPr>
           <p:nvPr>
             <p:ph type="title"/>
           </p:nvPr>
@@ -1744,11 +1810,10 @@
           <a:bodyPr anchor="b"/>
           <a:lstStyle>
             <a:lvl1pPr algn="l">
-              <a:defRPr b="1" sz="2000"/>
+              <a:defRPr sz="2000" b="1"/>
             </a:lvl1pPr>
           </a:lstStyle>
           <a:p>
-            <a:pPr/>
             <a:r>
               <a:t>Title Text</a:t>
             </a:r>
@@ -1758,7 +1823,9 @@
       <p:sp>
         <p:nvSpPr>
           <p:cNvPr id="73" name="Shape 73"/>
-          <p:cNvSpPr/>
+          <p:cNvSpPr>
+            <a:spLocks noGrp="1"/>
+          </p:cNvSpPr>
           <p:nvPr>
             <p:ph type="body" idx="1"/>
           </p:nvPr>
@@ -1776,7 +1843,6 @@
           <a:bodyPr/>
           <a:lstStyle/>
           <a:p>
-            <a:pPr/>
             <a:r>
               <a:t>Body Level One</a:t>
             </a:r>
@@ -1810,7 +1876,9 @@
       <p:sp>
         <p:nvSpPr>
           <p:cNvPr id="74" name="Shape 74"/>
-          <p:cNvSpPr/>
+          <p:cNvSpPr>
+            <a:spLocks noGrp="1"/>
+          </p:cNvSpPr>
           <p:nvPr>
             <p:ph type="body" sz="half" idx="13"/>
           </p:nvPr>
@@ -1837,13 +1905,16 @@
               <a:buNone/>
               <a:defRPr sz="1400"/>
             </a:pPr>
+            <a:endParaRPr/>
           </a:p>
         </p:txBody>
       </p:sp>
       <p:sp>
         <p:nvSpPr>
           <p:cNvPr id="75" name="Shape 75"/>
-          <p:cNvSpPr/>
+          <p:cNvSpPr>
+            <a:spLocks noGrp="1"/>
+          </p:cNvSpPr>
           <p:nvPr>
             <p:ph type="sldNum" sz="quarter" idx="2"/>
           </p:nvPr>
@@ -1857,8 +1928,10 @@
           <a:bodyPr/>
           <a:lstStyle/>
           <a:p>
-            <a:pPr/>
-            <a:fld id="{86CB4B4D-7CA3-9044-876B-883B54F8677D}" type="slidenum"/>
+            <a:fld id="{86CB4B4D-7CA3-9044-876B-883B54F8677D}" type="slidenum">
+              <a:t>‹#›</a:t>
+            </a:fld>
+            <a:endParaRPr/>
           </a:p>
         </p:txBody>
       </p:sp>
@@ -1867,12 +1940,12 @@
   <p:clrMapOvr>
     <a:masterClrMapping/>
   </p:clrMapOvr>
-  <p:transition xmlns:p14="http://schemas.microsoft.com/office/powerpoint/2010/main" spd="med" advClick="1"/>
+  <p:transition xmlns:p14="http://schemas.microsoft.com/office/powerpoint/2010/main" spd="med"/>
 </p:sldLayout>
 </file>
 
 <file path=ppt/slideLayouts/slideLayout9.xml><?xml version="1.0" encoding="utf-8"?>
-<p:sldLayout xmlns:a="http://schemas.openxmlformats.org/drawingml/2006/main" xmlns:r="http://schemas.openxmlformats.org/officeDocument/2006/relationships" xmlns:p="http://schemas.openxmlformats.org/presentationml/2006/main" type="tx" showMasterSp="1" showMasterPhAnim="1">
+<p:sldLayout xmlns:a="http://schemas.openxmlformats.org/drawingml/2006/main" xmlns:r="http://schemas.openxmlformats.org/officeDocument/2006/relationships" xmlns:p="http://schemas.openxmlformats.org/presentationml/2006/main" type="tx">
   <p:cSld name="Picture with Caption">
     <p:spTree>
       <p:nvGrpSpPr>
@@ -1891,7 +1964,9 @@
       <p:sp>
         <p:nvSpPr>
           <p:cNvPr id="82" name="Shape 82"/>
-          <p:cNvSpPr/>
+          <p:cNvSpPr>
+            <a:spLocks noGrp="1"/>
+          </p:cNvSpPr>
           <p:nvPr>
             <p:ph type="title"/>
           </p:nvPr>
@@ -1909,11 +1984,10 @@
           <a:bodyPr anchor="b"/>
           <a:lstStyle>
             <a:lvl1pPr algn="l">
-              <a:defRPr b="1" sz="2000"/>
+              <a:defRPr sz="2000" b="1"/>
             </a:lvl1pPr>
           </a:lstStyle>
           <a:p>
-            <a:pPr/>
             <a:r>
               <a:t>Title Text</a:t>
             </a:r>
@@ -1923,7 +1997,9 @@
       <p:sp>
         <p:nvSpPr>
           <p:cNvPr id="83" name="Shape 83"/>
-          <p:cNvSpPr/>
+          <p:cNvSpPr>
+            <a:spLocks noGrp="1"/>
+          </p:cNvSpPr>
           <p:nvPr>
             <p:ph type="pic" sz="half" idx="13"/>
           </p:nvPr>
@@ -1943,14 +2019,16 @@
           </a:bodyPr>
           <a:lstStyle/>
           <a:p>
-            <a:pPr/>
+            <a:endParaRPr/>
           </a:p>
         </p:txBody>
       </p:sp>
       <p:sp>
         <p:nvSpPr>
           <p:cNvPr id="84" name="Shape 84"/>
-          <p:cNvSpPr/>
+          <p:cNvSpPr>
+            <a:spLocks noGrp="1"/>
+          </p:cNvSpPr>
           <p:nvPr>
             <p:ph type="body" sz="quarter" idx="1"/>
           </p:nvPr>
@@ -2014,7 +2092,6 @@
             </a:lvl5pPr>
           </a:lstStyle>
           <a:p>
-            <a:pPr/>
             <a:r>
               <a:t>Body Level One</a:t>
             </a:r>
@@ -2048,7 +2125,9 @@
       <p:sp>
         <p:nvSpPr>
           <p:cNvPr id="85" name="Shape 85"/>
-          <p:cNvSpPr/>
+          <p:cNvSpPr>
+            <a:spLocks noGrp="1"/>
+          </p:cNvSpPr>
           <p:nvPr>
             <p:ph type="sldNum" sz="quarter" idx="2"/>
           </p:nvPr>
@@ -2062,8 +2141,10 @@
           <a:bodyPr/>
           <a:lstStyle/>
           <a:p>
-            <a:pPr/>
-            <a:fld id="{86CB4B4D-7CA3-9044-876B-883B54F8677D}" type="slidenum"/>
+            <a:fld id="{86CB4B4D-7CA3-9044-876B-883B54F8677D}" type="slidenum">
+              <a:t>‹#›</a:t>
+            </a:fld>
+            <a:endParaRPr/>
           </a:p>
         </p:txBody>
       </p:sp>
@@ -2072,7 +2153,7 @@
   <p:clrMapOvr>
     <a:masterClrMapping/>
   </p:clrMapOvr>
-  <p:transition xmlns:p14="http://schemas.microsoft.com/office/powerpoint/2010/main" spd="med" advClick="1"/>
+  <p:transition xmlns:p14="http://schemas.microsoft.com/office/powerpoint/2010/main" spd="med"/>
 </p:sldLayout>
 </file>
 
@@ -2084,6 +2165,7 @@
         <a:solidFill>
           <a:srgbClr val="FFFFFF"/>
         </a:solidFill>
+        <a:effectLst/>
       </p:bgPr>
     </p:bg>
     <p:spTree>
@@ -2103,7 +2185,9 @@
       <p:sp>
         <p:nvSpPr>
           <p:cNvPr id="2" name="Shape 2"/>
-          <p:cNvSpPr/>
+          <p:cNvSpPr>
+            <a:spLocks noGrp="1"/>
+          </p:cNvSpPr>
           <p:nvPr>
             <p:ph type="title"/>
           </p:nvPr>
@@ -2127,11 +2211,10 @@
         </p:spPr>
         <p:txBody>
           <a:bodyPr lIns="45719" rIns="45719" anchor="ctr">
-            <a:normAutofit fontScale="100000" lnSpcReduction="0"/>
+            <a:normAutofit/>
           </a:bodyPr>
           <a:lstStyle/>
           <a:p>
-            <a:pPr/>
             <a:r>
               <a:t>Title Text</a:t>
             </a:r>
@@ -2141,7 +2224,9 @@
       <p:sp>
         <p:nvSpPr>
           <p:cNvPr id="3" name="Shape 3"/>
-          <p:cNvSpPr/>
+          <p:cNvSpPr>
+            <a:spLocks noGrp="1"/>
+          </p:cNvSpPr>
           <p:nvPr>
             <p:ph type="body" idx="1"/>
           </p:nvPr>
@@ -2165,11 +2250,10 @@
         </p:spPr>
         <p:txBody>
           <a:bodyPr lIns="45719" rIns="45719">
-            <a:normAutofit fontScale="100000" lnSpcReduction="0"/>
+            <a:normAutofit/>
           </a:bodyPr>
           <a:lstStyle/>
           <a:p>
-            <a:pPr/>
             <a:r>
               <a:t>Body Level One</a:t>
             </a:r>
@@ -2203,7 +2287,9 @@
       <p:sp>
         <p:nvSpPr>
           <p:cNvPr id="4" name="Shape 4"/>
-          <p:cNvSpPr/>
+          <p:cNvSpPr>
+            <a:spLocks noGrp="1"/>
+          </p:cNvSpPr>
           <p:nvPr>
             <p:ph type="sldNum" sz="quarter" idx="2"/>
           </p:nvPr>
@@ -2234,8 +2320,10 @@
             </a:lvl1pPr>
           </a:lstStyle>
           <a:p>
-            <a:pPr/>
-            <a:fld id="{86CB4B4D-7CA3-9044-876B-883B54F8677D}" type="slidenum"/>
+            <a:fld id="{86CB4B4D-7CA3-9044-876B-883B54F8677D}" type="slidenum">
+              <a:t>‹#›</a:t>
+            </a:fld>
+            <a:endParaRPr/>
           </a:p>
         </p:txBody>
       </p:sp>
@@ -2243,19 +2331,19 @@
   </p:cSld>
   <p:clrMap bg1="lt1" tx1="dk1" bg2="lt2" tx2="dk2" accent1="accent1" accent2="accent2" accent3="accent3" accent4="accent4" accent5="accent5" accent6="accent6" hlink="hlink" folHlink="folHlink"/>
   <p:sldLayoutIdLst>
-    <p:sldLayoutId id="2147483649" r:id="rId2"/>
-    <p:sldLayoutId id="2147483650" r:id="rId3"/>
-    <p:sldLayoutId id="2147483651" r:id="rId4"/>
-    <p:sldLayoutId id="2147483652" r:id="rId5"/>
-    <p:sldLayoutId id="2147483653" r:id="rId6"/>
-    <p:sldLayoutId id="2147483654" r:id="rId7"/>
-    <p:sldLayoutId id="2147483655" r:id="rId8"/>
-    <p:sldLayoutId id="2147483656" r:id="rId9"/>
-    <p:sldLayoutId id="2147483657" r:id="rId10"/>
-    <p:sldLayoutId id="2147483658" r:id="rId11"/>
-    <p:sldLayoutId id="2147483659" r:id="rId12"/>
+    <p:sldLayoutId id="2147483649" r:id="rId1"/>
+    <p:sldLayoutId id="2147483650" r:id="rId2"/>
+    <p:sldLayoutId id="2147483651" r:id="rId3"/>
+    <p:sldLayoutId id="2147483652" r:id="rId4"/>
+    <p:sldLayoutId id="2147483653" r:id="rId5"/>
+    <p:sldLayoutId id="2147483654" r:id="rId6"/>
+    <p:sldLayoutId id="2147483655" r:id="rId7"/>
+    <p:sldLayoutId id="2147483656" r:id="rId8"/>
+    <p:sldLayoutId id="2147483657" r:id="rId9"/>
+    <p:sldLayoutId id="2147483658" r:id="rId10"/>
+    <p:sldLayoutId id="2147483659" r:id="rId11"/>
   </p:sldLayoutIdLst>
-  <p:transition xmlns:p14="http://schemas.microsoft.com/office/powerpoint/2010/main" spd="med" advClick="1"/>
+  <p:transition xmlns:p14="http://schemas.microsoft.com/office/powerpoint/2010/main" spd="med"/>
   <p:txStyles>
     <p:titleStyle>
       <a:lvl1pPr marL="0" marR="0" indent="0" algn="ctr" defTabSz="914400" rtl="0" latinLnBrk="0">
@@ -2273,7 +2361,7 @@
         <a:buFontTx/>
         <a:buNone/>
         <a:tabLst/>
-        <a:defRPr b="0" baseline="0" cap="none" i="0" spc="0" strike="noStrike" sz="4400" u="none">
+        <a:defRPr sz="4400" b="0" i="0" u="none" strike="noStrike" cap="none" spc="0" baseline="0">
           <a:ln>
             <a:noFill/>
           </a:ln>
@@ -2302,7 +2390,7 @@
         <a:buFontTx/>
         <a:buNone/>
         <a:tabLst/>
-        <a:defRPr b="0" baseline="0" cap="none" i="0" spc="0" strike="noStrike" sz="4400" u="none">
+        <a:defRPr sz="4400" b="0" i="0" u="none" strike="noStrike" cap="none" spc="0" baseline="0">
           <a:ln>
             <a:noFill/>
           </a:ln>
@@ -2331,7 +2419,7 @@
         <a:buFontTx/>
         <a:buNone/>
         <a:tabLst/>
-        <a:defRPr b="0" baseline="0" cap="none" i="0" spc="0" strike="noStrike" sz="4400" u="none">
+        <a:defRPr sz="4400" b="0" i="0" u="none" strike="noStrike" cap="none" spc="0" baseline="0">
           <a:ln>
             <a:noFill/>
           </a:ln>
@@ -2360,7 +2448,7 @@
         <a:buFontTx/>
         <a:buNone/>
         <a:tabLst/>
-        <a:defRPr b="0" baseline="0" cap="none" i="0" spc="0" strike="noStrike" sz="4400" u="none">
+        <a:defRPr sz="4400" b="0" i="0" u="none" strike="noStrike" cap="none" spc="0" baseline="0">
           <a:ln>
             <a:noFill/>
           </a:ln>
@@ -2389,7 +2477,7 @@
         <a:buFontTx/>
         <a:buNone/>
         <a:tabLst/>
-        <a:defRPr b="0" baseline="0" cap="none" i="0" spc="0" strike="noStrike" sz="4400" u="none">
+        <a:defRPr sz="4400" b="0" i="0" u="none" strike="noStrike" cap="none" spc="0" baseline="0">
           <a:ln>
             <a:noFill/>
           </a:ln>
@@ -2418,7 +2506,7 @@
         <a:buFontTx/>
         <a:buNone/>
         <a:tabLst/>
-        <a:defRPr b="0" baseline="0" cap="none" i="0" spc="0" strike="noStrike" sz="4400" u="none">
+        <a:defRPr sz="4400" b="0" i="0" u="none" strike="noStrike" cap="none" spc="0" baseline="0">
           <a:ln>
             <a:noFill/>
           </a:ln>
@@ -2447,7 +2535,7 @@
         <a:buFontTx/>
         <a:buNone/>
         <a:tabLst/>
-        <a:defRPr b="0" baseline="0" cap="none" i="0" spc="0" strike="noStrike" sz="4400" u="none">
+        <a:defRPr sz="4400" b="0" i="0" u="none" strike="noStrike" cap="none" spc="0" baseline="0">
           <a:ln>
             <a:noFill/>
           </a:ln>
@@ -2476,7 +2564,7 @@
         <a:buFontTx/>
         <a:buNone/>
         <a:tabLst/>
-        <a:defRPr b="0" baseline="0" cap="none" i="0" spc="0" strike="noStrike" sz="4400" u="none">
+        <a:defRPr sz="4400" b="0" i="0" u="none" strike="noStrike" cap="none" spc="0" baseline="0">
           <a:ln>
             <a:noFill/>
           </a:ln>
@@ -2505,7 +2593,7 @@
         <a:buFontTx/>
         <a:buNone/>
         <a:tabLst/>
-        <a:defRPr b="0" baseline="0" cap="none" i="0" spc="0" strike="noStrike" sz="4400" u="none">
+        <a:defRPr sz="4400" b="0" i="0" u="none" strike="noStrike" cap="none" spc="0" baseline="0">
           <a:ln>
             <a:noFill/>
           </a:ln>
@@ -2536,7 +2624,7 @@
         <a:buFont typeface="Arial"/>
         <a:buChar char="•"/>
         <a:tabLst/>
-        <a:defRPr b="0" baseline="0" cap="none" i="0" spc="0" strike="noStrike" sz="3200" u="none">
+        <a:defRPr sz="3200" b="0" i="0" u="none" strike="noStrike" cap="none" spc="0" baseline="0">
           <a:ln>
             <a:noFill/>
           </a:ln>
@@ -2565,7 +2653,7 @@
         <a:buFont typeface="Arial"/>
         <a:buChar char="–"/>
         <a:tabLst/>
-        <a:defRPr b="0" baseline="0" cap="none" i="0" spc="0" strike="noStrike" sz="3200" u="none">
+        <a:defRPr sz="3200" b="0" i="0" u="none" strike="noStrike" cap="none" spc="0" baseline="0">
           <a:ln>
             <a:noFill/>
           </a:ln>
@@ -2594,7 +2682,7 @@
         <a:buFont typeface="Arial"/>
         <a:buChar char="•"/>
         <a:tabLst/>
-        <a:defRPr b="0" baseline="0" cap="none" i="0" spc="0" strike="noStrike" sz="3200" u="none">
+        <a:defRPr sz="3200" b="0" i="0" u="none" strike="noStrike" cap="none" spc="0" baseline="0">
           <a:ln>
             <a:noFill/>
           </a:ln>
@@ -2623,7 +2711,7 @@
         <a:buFont typeface="Arial"/>
         <a:buChar char="–"/>
         <a:tabLst/>
-        <a:defRPr b="0" baseline="0" cap="none" i="0" spc="0" strike="noStrike" sz="3200" u="none">
+        <a:defRPr sz="3200" b="0" i="0" u="none" strike="noStrike" cap="none" spc="0" baseline="0">
           <a:ln>
             <a:noFill/>
           </a:ln>
@@ -2652,7 +2740,7 @@
         <a:buFont typeface="Arial"/>
         <a:buChar char="»"/>
         <a:tabLst/>
-        <a:defRPr b="0" baseline="0" cap="none" i="0" spc="0" strike="noStrike" sz="3200" u="none">
+        <a:defRPr sz="3200" b="0" i="0" u="none" strike="noStrike" cap="none" spc="0" baseline="0">
           <a:ln>
             <a:noFill/>
           </a:ln>
@@ -2681,7 +2769,7 @@
         <a:buFont typeface="Arial"/>
         <a:buChar char="•"/>
         <a:tabLst/>
-        <a:defRPr b="0" baseline="0" cap="none" i="0" spc="0" strike="noStrike" sz="3200" u="none">
+        <a:defRPr sz="3200" b="0" i="0" u="none" strike="noStrike" cap="none" spc="0" baseline="0">
           <a:ln>
             <a:noFill/>
           </a:ln>
@@ -2710,7 +2798,7 @@
         <a:buFont typeface="Arial"/>
         <a:buChar char="•"/>
         <a:tabLst/>
-        <a:defRPr b="0" baseline="0" cap="none" i="0" spc="0" strike="noStrike" sz="3200" u="none">
+        <a:defRPr sz="3200" b="0" i="0" u="none" strike="noStrike" cap="none" spc="0" baseline="0">
           <a:ln>
             <a:noFill/>
           </a:ln>
@@ -2739,7 +2827,7 @@
         <a:buFont typeface="Arial"/>
         <a:buChar char="•"/>
         <a:tabLst/>
-        <a:defRPr b="0" baseline="0" cap="none" i="0" spc="0" strike="noStrike" sz="3200" u="none">
+        <a:defRPr sz="3200" b="0" i="0" u="none" strike="noStrike" cap="none" spc="0" baseline="0">
           <a:ln>
             <a:noFill/>
           </a:ln>
@@ -2768,7 +2856,7 @@
         <a:buFont typeface="Arial"/>
         <a:buChar char="•"/>
         <a:tabLst/>
-        <a:defRPr b="0" baseline="0" cap="none" i="0" spc="0" strike="noStrike" sz="3200" u="none">
+        <a:defRPr sz="3200" b="0" i="0" u="none" strike="noStrike" cap="none" spc="0" baseline="0">
           <a:ln>
             <a:noFill/>
           </a:ln>
@@ -2799,7 +2887,7 @@
         <a:buFontTx/>
         <a:buNone/>
         <a:tabLst/>
-        <a:defRPr b="0" baseline="0" cap="none" i="0" spc="0" strike="noStrike" sz="1200" u="none">
+        <a:defRPr sz="1200" b="0" i="0" u="none" strike="noStrike" cap="none" spc="0" baseline="0">
           <a:ln>
             <a:noFill/>
           </a:ln>
@@ -2828,7 +2916,7 @@
         <a:buFontTx/>
         <a:buNone/>
         <a:tabLst/>
-        <a:defRPr b="0" baseline="0" cap="none" i="0" spc="0" strike="noStrike" sz="1200" u="none">
+        <a:defRPr sz="1200" b="0" i="0" u="none" strike="noStrike" cap="none" spc="0" baseline="0">
           <a:ln>
             <a:noFill/>
           </a:ln>
@@ -2857,7 +2945,7 @@
         <a:buFontTx/>
         <a:buNone/>
         <a:tabLst/>
-        <a:defRPr b="0" baseline="0" cap="none" i="0" spc="0" strike="noStrike" sz="1200" u="none">
+        <a:defRPr sz="1200" b="0" i="0" u="none" strike="noStrike" cap="none" spc="0" baseline="0">
           <a:ln>
             <a:noFill/>
           </a:ln>
@@ -2886,7 +2974,7 @@
         <a:buFontTx/>
         <a:buNone/>
         <a:tabLst/>
-        <a:defRPr b="0" baseline="0" cap="none" i="0" spc="0" strike="noStrike" sz="1200" u="none">
+        <a:defRPr sz="1200" b="0" i="0" u="none" strike="noStrike" cap="none" spc="0" baseline="0">
           <a:ln>
             <a:noFill/>
           </a:ln>
@@ -2915,7 +3003,7 @@
         <a:buFontTx/>
         <a:buNone/>
         <a:tabLst/>
-        <a:defRPr b="0" baseline="0" cap="none" i="0" spc="0" strike="noStrike" sz="1200" u="none">
+        <a:defRPr sz="1200" b="0" i="0" u="none" strike="noStrike" cap="none" spc="0" baseline="0">
           <a:ln>
             <a:noFill/>
           </a:ln>
@@ -2944,7 +3032,7 @@
         <a:buFontTx/>
         <a:buNone/>
         <a:tabLst/>
-        <a:defRPr b="0" baseline="0" cap="none" i="0" spc="0" strike="noStrike" sz="1200" u="none">
+        <a:defRPr sz="1200" b="0" i="0" u="none" strike="noStrike" cap="none" spc="0" baseline="0">
           <a:ln>
             <a:noFill/>
           </a:ln>
@@ -2973,7 +3061,7 @@
         <a:buFontTx/>
         <a:buNone/>
         <a:tabLst/>
-        <a:defRPr b="0" baseline="0" cap="none" i="0" spc="0" strike="noStrike" sz="1200" u="none">
+        <a:defRPr sz="1200" b="0" i="0" u="none" strike="noStrike" cap="none" spc="0" baseline="0">
           <a:ln>
             <a:noFill/>
           </a:ln>
@@ -3002,7 +3090,7 @@
         <a:buFontTx/>
         <a:buNone/>
         <a:tabLst/>
-        <a:defRPr b="0" baseline="0" cap="none" i="0" spc="0" strike="noStrike" sz="1200" u="none">
+        <a:defRPr sz="1200" b="0" i="0" u="none" strike="noStrike" cap="none" spc="0" baseline="0">
           <a:ln>
             <a:noFill/>
           </a:ln>
@@ -3031,7 +3119,7 @@
         <a:buFontTx/>
         <a:buNone/>
         <a:tabLst/>
-        <a:defRPr b="0" baseline="0" cap="none" i="0" spc="0" strike="noStrike" sz="1200" u="none">
+        <a:defRPr sz="1200" b="0" i="0" u="none" strike="noStrike" cap="none" spc="0" baseline="0">
           <a:ln>
             <a:noFill/>
           </a:ln>
@@ -3051,7 +3139,7 @@
 </file>
 
 <file path=ppt/slides/slide1.xml><?xml version="1.0" encoding="utf-8"?>
-<p:sld xmlns:a="http://schemas.openxmlformats.org/drawingml/2006/main" xmlns:r="http://schemas.openxmlformats.org/officeDocument/2006/relationships" xmlns:p="http://schemas.openxmlformats.org/presentationml/2006/main" showMasterSp="1" showMasterPhAnim="1">
+<p:sld xmlns:a="http://schemas.openxmlformats.org/drawingml/2006/main" xmlns:r="http://schemas.openxmlformats.org/officeDocument/2006/relationships" xmlns:p="http://schemas.openxmlformats.org/presentationml/2006/main">
   <p:cSld>
     <p:spTree>
       <p:nvGrpSpPr>
@@ -3101,12 +3189,19 @@
   <p:clrMapOvr>
     <a:masterClrMapping/>
   </p:clrMapOvr>
-  <p:transition xmlns:p14="http://schemas.microsoft.com/office/powerpoint/2010/main" spd="med" advClick="1"/>
+  <p:transition xmlns:p14="http://schemas.microsoft.com/office/powerpoint/2010/main" spd="med"/>
+  <p:timing>
+    <p:tnLst>
+      <p:par>
+        <p:cTn xmlns:p14="http://schemas.microsoft.com/office/powerpoint/2010/main" id="1" dur="indefinite" restart="never" nodeType="tmRoot"/>
+      </p:par>
+    </p:tnLst>
+  </p:timing>
 </p:sld>
 </file>
 
 <file path=ppt/slides/slide10.xml><?xml version="1.0" encoding="utf-8"?>
-<p:sld xmlns:a="http://schemas.openxmlformats.org/drawingml/2006/main" xmlns:r="http://schemas.openxmlformats.org/officeDocument/2006/relationships" xmlns:p="http://schemas.openxmlformats.org/presentationml/2006/main" showMasterSp="1" showMasterPhAnim="1">
+<p:sld xmlns:a="http://schemas.openxmlformats.org/drawingml/2006/main" xmlns:r="http://schemas.openxmlformats.org/officeDocument/2006/relationships" xmlns:p="http://schemas.openxmlformats.org/presentationml/2006/main">
   <p:cSld>
     <p:spTree>
       <p:nvGrpSpPr>
@@ -3125,7 +3220,9 @@
       <p:sp>
         <p:nvSpPr>
           <p:cNvPr id="146" name="Shape 146"/>
-          <p:cNvSpPr/>
+          <p:cNvSpPr>
+            <a:spLocks noGrp="1"/>
+          </p:cNvSpPr>
           <p:nvPr>
             <p:ph type="title"/>
           </p:nvPr>
@@ -3139,7 +3236,6 @@
           <a:bodyPr/>
           <a:lstStyle/>
           <a:p>
-            <a:pPr/>
             <a:r>
               <a:t>Tuple and Stream</a:t>
             </a:r>
@@ -3213,13 +3309,7 @@
               </a:defRPr>
             </a:pPr>
             <a:r>
-              <a:t>Data Application </a:t>
-            </a:r>
-            <a:r>
-              <a:t>Lab</a:t>
-            </a:r>
-            <a:r>
-              <a:t> </a:t>
+              <a:t>Data Application Lab </a:t>
             </a:r>
             <a:r>
               <a:rPr b="0"/>
@@ -3233,12 +3323,19 @@
   <p:clrMapOvr>
     <a:masterClrMapping/>
   </p:clrMapOvr>
-  <p:transition xmlns:p14="http://schemas.microsoft.com/office/powerpoint/2010/main" spd="med" advClick="1" p14:dur="1000"/>
+  <p:transition xmlns:p14="http://schemas.microsoft.com/office/powerpoint/2010/main" spd="slow"/>
+  <p:timing>
+    <p:tnLst>
+      <p:par>
+        <p:cTn xmlns:p14="http://schemas.microsoft.com/office/powerpoint/2010/main" id="1" dur="indefinite" restart="never" nodeType="tmRoot"/>
+      </p:par>
+    </p:tnLst>
+  </p:timing>
 </p:sld>
 </file>
 
 <file path=ppt/slides/slide11.xml><?xml version="1.0" encoding="utf-8"?>
-<p:sld xmlns:a="http://schemas.openxmlformats.org/drawingml/2006/main" xmlns:r="http://schemas.openxmlformats.org/officeDocument/2006/relationships" xmlns:p="http://schemas.openxmlformats.org/presentationml/2006/main" showMasterSp="1" showMasterPhAnim="1">
+<p:sld xmlns:a="http://schemas.openxmlformats.org/drawingml/2006/main" xmlns:r="http://schemas.openxmlformats.org/officeDocument/2006/relationships" xmlns:p="http://schemas.openxmlformats.org/presentationml/2006/main">
   <p:cSld>
     <p:spTree>
       <p:nvGrpSpPr>
@@ -3257,7 +3354,9 @@
       <p:sp>
         <p:nvSpPr>
           <p:cNvPr id="150" name="Shape 150"/>
-          <p:cNvSpPr/>
+          <p:cNvSpPr>
+            <a:spLocks noGrp="1"/>
+          </p:cNvSpPr>
           <p:nvPr>
             <p:ph type="title"/>
           </p:nvPr>
@@ -3271,7 +3370,6 @@
           <a:bodyPr/>
           <a:lstStyle/>
           <a:p>
-            <a:pPr/>
             <a:r>
               <a:t>Inside Topology</a:t>
             </a:r>
@@ -3345,13 +3443,7 @@
               </a:defRPr>
             </a:pPr>
             <a:r>
-              <a:t>Data Application </a:t>
-            </a:r>
-            <a:r>
-              <a:t>Lab</a:t>
-            </a:r>
-            <a:r>
-              <a:t> </a:t>
+              <a:t>Data Application Lab </a:t>
             </a:r>
             <a:r>
               <a:rPr b="0"/>
@@ -3365,12 +3457,19 @@
   <p:clrMapOvr>
     <a:masterClrMapping/>
   </p:clrMapOvr>
-  <p:transition xmlns:p14="http://schemas.microsoft.com/office/powerpoint/2010/main" spd="med" advClick="1" p14:dur="1000"/>
+  <p:transition xmlns:p14="http://schemas.microsoft.com/office/powerpoint/2010/main" spd="slow"/>
+  <p:timing>
+    <p:tnLst>
+      <p:par>
+        <p:cTn xmlns:p14="http://schemas.microsoft.com/office/powerpoint/2010/main" id="1" dur="indefinite" restart="never" nodeType="tmRoot"/>
+      </p:par>
+    </p:tnLst>
+  </p:timing>
 </p:sld>
 </file>
 
 <file path=ppt/slides/slide12.xml><?xml version="1.0" encoding="utf-8"?>
-<p:sld xmlns:a="http://schemas.openxmlformats.org/drawingml/2006/main" xmlns:r="http://schemas.openxmlformats.org/officeDocument/2006/relationships" xmlns:p="http://schemas.openxmlformats.org/presentationml/2006/main" showMasterSp="1" showMasterPhAnim="1">
+<p:sld xmlns:a="http://schemas.openxmlformats.org/drawingml/2006/main" xmlns:r="http://schemas.openxmlformats.org/officeDocument/2006/relationships" xmlns:p="http://schemas.openxmlformats.org/presentationml/2006/main">
   <p:cSld>
     <p:spTree>
       <p:nvGrpSpPr>
@@ -3389,7 +3488,9 @@
       <p:sp>
         <p:nvSpPr>
           <p:cNvPr id="154" name="Shape 154"/>
-          <p:cNvSpPr/>
+          <p:cNvSpPr>
+            <a:spLocks noGrp="1"/>
+          </p:cNvSpPr>
           <p:nvPr>
             <p:ph type="title"/>
           </p:nvPr>
@@ -3403,7 +3504,6 @@
           <a:bodyPr/>
           <a:lstStyle/>
           <a:p>
-            <a:pPr/>
             <a:r>
               <a:t>Command Line Tool</a:t>
             </a:r>
@@ -3413,7 +3513,9 @@
       <p:sp>
         <p:nvSpPr>
           <p:cNvPr id="155" name="Shape 155"/>
-          <p:cNvSpPr/>
+          <p:cNvSpPr>
+            <a:spLocks noGrp="1"/>
+          </p:cNvSpPr>
           <p:nvPr>
             <p:ph type="body" idx="1"/>
           </p:nvPr>
@@ -3436,6 +3538,7 @@
               <a:buNone/>
             </a:pPr>
             <a:r>
+              <a:rPr dirty="0"/>
               <a:t>storm jar topology-jar-path class ...</a:t>
             </a:r>
           </a:p>
@@ -3445,6 +3548,7 @@
               <a:buNone/>
             </a:pPr>
             <a:r>
+              <a:rPr dirty="0"/>
               <a:t>storm kill topology-name [-w wait-time-secs]</a:t>
             </a:r>
           </a:p>
@@ -3454,6 +3558,7 @@
               <a:buNone/>
             </a:pPr>
             <a:r>
+              <a:rPr dirty="0"/>
               <a:t>storm deactivate topology-name</a:t>
             </a:r>
           </a:p>
@@ -3463,6 +3568,7 @@
               <a:buNone/>
             </a:pPr>
             <a:r>
+              <a:rPr dirty="0"/>
               <a:t>storm activate topology-name</a:t>
             </a:r>
           </a:p>
@@ -3472,6 +3578,7 @@
               <a:buNone/>
             </a:pPr>
             <a:r>
+              <a:rPr dirty="0"/>
               <a:t>storm rebalance topology-name [-w wait-time-secs]</a:t>
             </a:r>
           </a:p>
@@ -3515,13 +3622,7 @@
               </a:defRPr>
             </a:pPr>
             <a:r>
-              <a:t>Data Application </a:t>
-            </a:r>
-            <a:r>
-              <a:t>Lab</a:t>
-            </a:r>
-            <a:r>
-              <a:t> </a:t>
+              <a:t>Data Application Lab </a:t>
             </a:r>
             <a:r>
               <a:rPr b="0"/>
@@ -3535,12 +3636,19 @@
   <p:clrMapOvr>
     <a:masterClrMapping/>
   </p:clrMapOvr>
-  <p:transition xmlns:p14="http://schemas.microsoft.com/office/powerpoint/2010/main" spd="med" advClick="1" p14:dur="1000"/>
+  <p:transition xmlns:p14="http://schemas.microsoft.com/office/powerpoint/2010/main" spd="slow"/>
+  <p:timing>
+    <p:tnLst>
+      <p:par>
+        <p:cTn xmlns:p14="http://schemas.microsoft.com/office/powerpoint/2010/main" id="1" dur="indefinite" restart="never" nodeType="tmRoot"/>
+      </p:par>
+    </p:tnLst>
+  </p:timing>
 </p:sld>
 </file>
 
 <file path=ppt/slides/slide13.xml><?xml version="1.0" encoding="utf-8"?>
-<p:sld xmlns:a="http://schemas.openxmlformats.org/drawingml/2006/main" xmlns:r="http://schemas.openxmlformats.org/officeDocument/2006/relationships" xmlns:p="http://schemas.openxmlformats.org/presentationml/2006/main" showMasterSp="1" showMasterPhAnim="1">
+<p:sld xmlns:a="http://schemas.openxmlformats.org/drawingml/2006/main" xmlns:r="http://schemas.openxmlformats.org/officeDocument/2006/relationships" xmlns:p="http://schemas.openxmlformats.org/presentationml/2006/main">
   <p:cSld>
     <p:spTree>
       <p:nvGrpSpPr>
@@ -3559,7 +3667,9 @@
       <p:sp>
         <p:nvSpPr>
           <p:cNvPr id="158" name="Shape 158"/>
-          <p:cNvSpPr/>
+          <p:cNvSpPr>
+            <a:spLocks noGrp="1"/>
+          </p:cNvSpPr>
           <p:nvPr>
             <p:ph type="title"/>
           </p:nvPr>
@@ -3573,7 +3683,6 @@
           <a:bodyPr/>
           <a:lstStyle/>
           <a:p>
-            <a:pPr/>
             <a:r>
               <a:t>Storm Demo</a:t>
             </a:r>
@@ -3618,13 +3727,7 @@
               </a:defRPr>
             </a:pPr>
             <a:r>
-              <a:t>Data Application </a:t>
-            </a:r>
-            <a:r>
-              <a:t>Lab</a:t>
-            </a:r>
-            <a:r>
-              <a:t> </a:t>
+              <a:t>Data Application Lab </a:t>
             </a:r>
             <a:r>
               <a:rPr b="0"/>
@@ -3638,12 +3741,19 @@
   <p:clrMapOvr>
     <a:masterClrMapping/>
   </p:clrMapOvr>
-  <p:transition xmlns:p14="http://schemas.microsoft.com/office/powerpoint/2010/main" spd="med" advClick="1" p14:dur="1000"/>
+  <p:transition xmlns:p14="http://schemas.microsoft.com/office/powerpoint/2010/main" spd="slow"/>
+  <p:timing>
+    <p:tnLst>
+      <p:par>
+        <p:cTn xmlns:p14="http://schemas.microsoft.com/office/powerpoint/2010/main" id="1" dur="indefinite" restart="never" nodeType="tmRoot"/>
+      </p:par>
+    </p:tnLst>
+  </p:timing>
 </p:sld>
 </file>
 
 <file path=ppt/slides/slide14.xml><?xml version="1.0" encoding="utf-8"?>
-<p:sld xmlns:a="http://schemas.openxmlformats.org/drawingml/2006/main" xmlns:r="http://schemas.openxmlformats.org/officeDocument/2006/relationships" xmlns:p="http://schemas.openxmlformats.org/presentationml/2006/main" showMasterSp="1" showMasterPhAnim="1">
+<p:sld xmlns:a="http://schemas.openxmlformats.org/drawingml/2006/main" xmlns:r="http://schemas.openxmlformats.org/officeDocument/2006/relationships" xmlns:p="http://schemas.openxmlformats.org/presentationml/2006/main">
   <p:cSld>
     <p:spTree>
       <p:nvGrpSpPr>
@@ -3662,7 +3772,9 @@
       <p:sp>
         <p:nvSpPr>
           <p:cNvPr id="161" name="Shape 161"/>
-          <p:cNvSpPr/>
+          <p:cNvSpPr>
+            <a:spLocks noGrp="1"/>
+          </p:cNvSpPr>
           <p:nvPr>
             <p:ph type="title"/>
           </p:nvPr>
@@ -3680,7 +3792,6 @@
           <a:bodyPr/>
           <a:lstStyle/>
           <a:p>
-            <a:pPr/>
             <a:r>
               <a:t>Storm Grouping</a:t>
             </a:r>
@@ -3754,13 +3865,7 @@
               </a:defRPr>
             </a:pPr>
             <a:r>
-              <a:t>Data Application </a:t>
-            </a:r>
-            <a:r>
-              <a:t>Lab</a:t>
-            </a:r>
-            <a:r>
-              <a:t> </a:t>
+              <a:t>Data Application Lab </a:t>
             </a:r>
             <a:r>
               <a:rPr b="0"/>
@@ -3772,7 +3877,9 @@
       <p:sp>
         <p:nvSpPr>
           <p:cNvPr id="164" name="Shape 164"/>
-          <p:cNvSpPr/>
+          <p:cNvSpPr>
+            <a:spLocks noGrp="1"/>
+          </p:cNvSpPr>
           <p:nvPr>
             <p:ph type="body" idx="1"/>
           </p:nvPr>
@@ -3829,12 +3936,19 @@
   <p:clrMapOvr>
     <a:masterClrMapping/>
   </p:clrMapOvr>
-  <p:transition xmlns:p14="http://schemas.microsoft.com/office/powerpoint/2010/main" spd="med" advClick="1" p14:dur="1000"/>
+  <p:transition xmlns:p14="http://schemas.microsoft.com/office/powerpoint/2010/main" spd="slow"/>
+  <p:timing>
+    <p:tnLst>
+      <p:par>
+        <p:cTn xmlns:p14="http://schemas.microsoft.com/office/powerpoint/2010/main" id="1" dur="indefinite" restart="never" nodeType="tmRoot"/>
+      </p:par>
+    </p:tnLst>
+  </p:timing>
 </p:sld>
 </file>
 
 <file path=ppt/slides/slide15.xml><?xml version="1.0" encoding="utf-8"?>
-<p:sld xmlns:a="http://schemas.openxmlformats.org/drawingml/2006/main" xmlns:r="http://schemas.openxmlformats.org/officeDocument/2006/relationships" xmlns:p="http://schemas.openxmlformats.org/presentationml/2006/main" showMasterSp="1" showMasterPhAnim="1">
+<p:sld xmlns:a="http://schemas.openxmlformats.org/drawingml/2006/main" xmlns:r="http://schemas.openxmlformats.org/officeDocument/2006/relationships" xmlns:p="http://schemas.openxmlformats.org/presentationml/2006/main">
   <p:cSld>
     <p:spTree>
       <p:nvGrpSpPr>
@@ -3853,7 +3967,9 @@
       <p:sp>
         <p:nvSpPr>
           <p:cNvPr id="166" name="Shape 166"/>
-          <p:cNvSpPr/>
+          <p:cNvSpPr>
+            <a:spLocks noGrp="1"/>
+          </p:cNvSpPr>
           <p:nvPr>
             <p:ph type="title"/>
           </p:nvPr>
@@ -3867,7 +3983,6 @@
           <a:bodyPr/>
           <a:lstStyle/>
           <a:p>
-            <a:pPr/>
             <a:r>
               <a:t>Storm Trident</a:t>
             </a:r>
@@ -3877,7 +3992,9 @@
       <p:sp>
         <p:nvSpPr>
           <p:cNvPr id="167" name="Shape 167"/>
-          <p:cNvSpPr/>
+          <p:cNvSpPr>
+            <a:spLocks noGrp="1"/>
+          </p:cNvSpPr>
           <p:nvPr>
             <p:ph type="body" idx="1"/>
           </p:nvPr>
@@ -3891,34 +4008,38 @@
           <a:bodyPr/>
           <a:lstStyle/>
           <a:p>
-            <a:pPr lvl="1" marL="800100" indent="-342900">
+            <a:pPr marL="800100" lvl="1" indent="-342900">
               <a:buChar char="•"/>
             </a:pPr>
             <a:r>
+              <a:rPr dirty="0"/>
               <a:t>Exactly-Once Processing</a:t>
             </a:r>
           </a:p>
           <a:p>
-            <a:pPr lvl="1" marL="800100" indent="-342900">
+            <a:pPr marL="800100" lvl="1" indent="-342900">
               <a:buChar char="•"/>
             </a:pPr>
             <a:r>
+              <a:rPr dirty="0"/>
               <a:t>Batch Processing</a:t>
             </a:r>
           </a:p>
           <a:p>
-            <a:pPr lvl="1" marL="800100" indent="-342900">
+            <a:pPr marL="800100" lvl="1" indent="-342900">
               <a:buChar char="•"/>
             </a:pPr>
             <a:r>
+              <a:rPr dirty="0"/>
               <a:t>Ordered State Updates</a:t>
             </a:r>
           </a:p>
           <a:p>
-            <a:pPr lvl="1" marL="800100" indent="-342900">
+            <a:pPr marL="800100" lvl="1" indent="-342900">
               <a:buChar char="•"/>
             </a:pPr>
             <a:r>
+              <a:rPr dirty="0"/>
               <a:t>Fast, Persistent Aggregation</a:t>
             </a:r>
           </a:p>
@@ -3929,12 +4050,19 @@
   <p:clrMapOvr>
     <a:masterClrMapping/>
   </p:clrMapOvr>
-  <p:transition xmlns:p14="http://schemas.microsoft.com/office/powerpoint/2010/main" spd="med" advClick="1" p14:dur="1000"/>
+  <p:transition xmlns:p14="http://schemas.microsoft.com/office/powerpoint/2010/main" spd="slow"/>
+  <p:timing>
+    <p:tnLst>
+      <p:par>
+        <p:cTn xmlns:p14="http://schemas.microsoft.com/office/powerpoint/2010/main" id="1" dur="indefinite" restart="never" nodeType="tmRoot"/>
+      </p:par>
+    </p:tnLst>
+  </p:timing>
 </p:sld>
 </file>
 
 <file path=ppt/slides/slide16.xml><?xml version="1.0" encoding="utf-8"?>
-<p:sld xmlns:a="http://schemas.openxmlformats.org/drawingml/2006/main" xmlns:r="http://schemas.openxmlformats.org/officeDocument/2006/relationships" xmlns:p="http://schemas.openxmlformats.org/presentationml/2006/main" showMasterSp="1" showMasterPhAnim="1">
+<p:sld xmlns:a="http://schemas.openxmlformats.org/drawingml/2006/main" xmlns:r="http://schemas.openxmlformats.org/officeDocument/2006/relationships" xmlns:p="http://schemas.openxmlformats.org/presentationml/2006/main">
   <p:cSld>
     <p:spTree>
       <p:nvGrpSpPr>
@@ -3953,7 +4081,9 @@
       <p:sp>
         <p:nvSpPr>
           <p:cNvPr id="169" name="Shape 169"/>
-          <p:cNvSpPr/>
+          <p:cNvSpPr>
+            <a:spLocks noGrp="1"/>
+          </p:cNvSpPr>
           <p:nvPr>
             <p:ph type="title"/>
           </p:nvPr>
@@ -3967,7 +4097,6 @@
           <a:bodyPr/>
           <a:lstStyle/>
           <a:p>
-            <a:pPr/>
             <a:r>
               <a:t>Batched Processing</a:t>
             </a:r>
@@ -4008,12 +4137,19 @@
   <p:clrMapOvr>
     <a:masterClrMapping/>
   </p:clrMapOvr>
-  <p:transition xmlns:p14="http://schemas.microsoft.com/office/powerpoint/2010/main" spd="med" advClick="1" p14:dur="1000"/>
+  <p:transition xmlns:p14="http://schemas.microsoft.com/office/powerpoint/2010/main" spd="slow"/>
+  <p:timing>
+    <p:tnLst>
+      <p:par>
+        <p:cTn xmlns:p14="http://schemas.microsoft.com/office/powerpoint/2010/main" id="1" dur="indefinite" restart="never" nodeType="tmRoot"/>
+      </p:par>
+    </p:tnLst>
+  </p:timing>
 </p:sld>
 </file>
 
 <file path=ppt/slides/slide17.xml><?xml version="1.0" encoding="utf-8"?>
-<p:sld xmlns:a="http://schemas.openxmlformats.org/drawingml/2006/main" xmlns:r="http://schemas.openxmlformats.org/officeDocument/2006/relationships" xmlns:p="http://schemas.openxmlformats.org/presentationml/2006/main" showMasterSp="1" showMasterPhAnim="1">
+<p:sld xmlns:a="http://schemas.openxmlformats.org/drawingml/2006/main" xmlns:r="http://schemas.openxmlformats.org/officeDocument/2006/relationships" xmlns:p="http://schemas.openxmlformats.org/presentationml/2006/main">
   <p:cSld>
     <p:spTree>
       <p:nvGrpSpPr>
@@ -4032,7 +4168,9 @@
       <p:sp>
         <p:nvSpPr>
           <p:cNvPr id="172" name="Shape 172"/>
-          <p:cNvSpPr/>
+          <p:cNvSpPr>
+            <a:spLocks noGrp="1"/>
+          </p:cNvSpPr>
           <p:nvPr>
             <p:ph type="title"/>
           </p:nvPr>
@@ -4046,7 +4184,6 @@
           <a:bodyPr/>
           <a:lstStyle/>
           <a:p>
-            <a:pPr/>
             <a:r>
               <a:t>Trident Concepts</a:t>
             </a:r>
@@ -4119,7 +4256,7 @@
             </a:solidFill>
           </a:ln>
           <a:effectLst>
-            <a:outerShdw sx="100000" sy="100000" kx="0" ky="0" algn="b" rotWithShape="0" blurRad="38100" dist="23000" dir="5400000">
+            <a:outerShdw blurRad="38100" dist="23000" dir="5400000" rotWithShape="0">
               <a:srgbClr val="000000">
                 <a:alpha val="35000"/>
               </a:srgbClr>
@@ -4137,6 +4274,7 @@
                 </a:solidFill>
               </a:defRPr>
             </a:pPr>
+            <a:endParaRPr/>
           </a:p>
         </p:txBody>
       </p:sp>
@@ -4163,7 +4301,7 @@
             </a:solidFill>
           </a:ln>
           <a:effectLst>
-            <a:outerShdw sx="100000" sy="100000" kx="0" ky="0" algn="b" rotWithShape="0" blurRad="38100" dist="23000" dir="5400000">
+            <a:outerShdw blurRad="38100" dist="23000" dir="5400000" rotWithShape="0">
               <a:srgbClr val="000000">
                 <a:alpha val="35000"/>
               </a:srgbClr>
@@ -4174,7 +4312,7 @@
           <a:bodyPr lIns="45719" rIns="45719" anchor="ctr"/>
           <a:lstStyle/>
           <a:p>
-            <a:pPr/>
+            <a:endParaRPr/>
           </a:p>
         </p:txBody>
       </p:sp>
@@ -4249,7 +4387,7 @@
             </a:solidFill>
           </a:ln>
           <a:effectLst>
-            <a:outerShdw sx="100000" sy="100000" kx="0" ky="0" algn="b" rotWithShape="0" blurRad="38100" dist="23000" dir="5400000">
+            <a:outerShdw blurRad="38100" dist="23000" dir="5400000" rotWithShape="0">
               <a:srgbClr val="000000">
                 <a:alpha val="35000"/>
               </a:srgbClr>
@@ -4260,7 +4398,7 @@
           <a:bodyPr lIns="45719" rIns="45719" anchor="ctr"/>
           <a:lstStyle/>
           <a:p>
-            <a:pPr/>
+            <a:endParaRPr/>
           </a:p>
         </p:txBody>
       </p:sp>
@@ -4326,12 +4464,19 @@
   <p:clrMapOvr>
     <a:masterClrMapping/>
   </p:clrMapOvr>
-  <p:transition xmlns:p14="http://schemas.microsoft.com/office/powerpoint/2010/main" spd="med" advClick="1" p14:dur="1000"/>
+  <p:transition xmlns:p14="http://schemas.microsoft.com/office/powerpoint/2010/main" spd="slow"/>
+  <p:timing>
+    <p:tnLst>
+      <p:par>
+        <p:cTn xmlns:p14="http://schemas.microsoft.com/office/powerpoint/2010/main" id="1" dur="indefinite" restart="never" nodeType="tmRoot"/>
+      </p:par>
+    </p:tnLst>
+  </p:timing>
 </p:sld>
 </file>
 
 <file path=ppt/slides/slide18.xml><?xml version="1.0" encoding="utf-8"?>
-<p:sld xmlns:a="http://schemas.openxmlformats.org/drawingml/2006/main" xmlns:r="http://schemas.openxmlformats.org/officeDocument/2006/relationships" xmlns:p="http://schemas.openxmlformats.org/presentationml/2006/main" showMasterSp="1" showMasterPhAnim="1">
+<p:sld xmlns:a="http://schemas.openxmlformats.org/drawingml/2006/main" xmlns:r="http://schemas.openxmlformats.org/officeDocument/2006/relationships" xmlns:p="http://schemas.openxmlformats.org/presentationml/2006/main">
   <p:cSld>
     <p:spTree>
       <p:nvGrpSpPr>
@@ -4350,7 +4495,9 @@
       <p:sp>
         <p:nvSpPr>
           <p:cNvPr id="180" name="Shape 180"/>
-          <p:cNvSpPr/>
+          <p:cNvSpPr>
+            <a:spLocks noGrp="1"/>
+          </p:cNvSpPr>
           <p:nvPr>
             <p:ph type="title"/>
           </p:nvPr>
@@ -4364,7 +4511,6 @@
           <a:bodyPr/>
           <a:lstStyle/>
           <a:p>
-            <a:pPr/>
             <a:r>
               <a:t>Under the Hood</a:t>
             </a:r>
@@ -4405,12 +4551,19 @@
   <p:clrMapOvr>
     <a:masterClrMapping/>
   </p:clrMapOvr>
-  <p:transition xmlns:p14="http://schemas.microsoft.com/office/powerpoint/2010/main" spd="med" advClick="1" p14:dur="1000"/>
+  <p:transition xmlns:p14="http://schemas.microsoft.com/office/powerpoint/2010/main" spd="slow"/>
+  <p:timing>
+    <p:tnLst>
+      <p:par>
+        <p:cTn xmlns:p14="http://schemas.microsoft.com/office/powerpoint/2010/main" id="1" dur="indefinite" restart="never" nodeType="tmRoot"/>
+      </p:par>
+    </p:tnLst>
+  </p:timing>
 </p:sld>
 </file>
 
 <file path=ppt/slides/slide19.xml><?xml version="1.0" encoding="utf-8"?>
-<p:sld xmlns:a="http://schemas.openxmlformats.org/drawingml/2006/main" xmlns:r="http://schemas.openxmlformats.org/officeDocument/2006/relationships" xmlns:p="http://schemas.openxmlformats.org/presentationml/2006/main" showMasterSp="1" showMasterPhAnim="1">
+<p:sld xmlns:a="http://schemas.openxmlformats.org/drawingml/2006/main" xmlns:r="http://schemas.openxmlformats.org/officeDocument/2006/relationships" xmlns:p="http://schemas.openxmlformats.org/presentationml/2006/main">
   <p:cSld>
     <p:spTree>
       <p:nvGrpSpPr>
@@ -4429,7 +4582,9 @@
       <p:sp>
         <p:nvSpPr>
           <p:cNvPr id="183" name="Shape 183"/>
-          <p:cNvSpPr/>
+          <p:cNvSpPr>
+            <a:spLocks noGrp="1"/>
+          </p:cNvSpPr>
           <p:nvPr>
             <p:ph type="title"/>
           </p:nvPr>
@@ -4443,7 +4598,6 @@
           <a:bodyPr/>
           <a:lstStyle/>
           <a:p>
-            <a:pPr/>
             <a:r>
               <a:t>Trident Demo</a:t>
             </a:r>
@@ -4488,13 +4642,7 @@
               </a:defRPr>
             </a:pPr>
             <a:r>
-              <a:t>Data Application </a:t>
-            </a:r>
-            <a:r>
-              <a:t>Lab</a:t>
-            </a:r>
-            <a:r>
-              <a:t> </a:t>
+              <a:t>Data Application Lab </a:t>
             </a:r>
             <a:r>
               <a:rPr b="0"/>
@@ -4508,12 +4656,19 @@
   <p:clrMapOvr>
     <a:masterClrMapping/>
   </p:clrMapOvr>
-  <p:transition xmlns:p14="http://schemas.microsoft.com/office/powerpoint/2010/main" spd="med" advClick="1" p14:dur="1000"/>
+  <p:transition xmlns:p14="http://schemas.microsoft.com/office/powerpoint/2010/main" spd="slow"/>
+  <p:timing>
+    <p:tnLst>
+      <p:par>
+        <p:cTn xmlns:p14="http://schemas.microsoft.com/office/powerpoint/2010/main" id="1" dur="indefinite" restart="never" nodeType="tmRoot"/>
+      </p:par>
+    </p:tnLst>
+  </p:timing>
 </p:sld>
 </file>
 
 <file path=ppt/slides/slide2.xml><?xml version="1.0" encoding="utf-8"?>
-<p:sld xmlns:a="http://schemas.openxmlformats.org/drawingml/2006/main" xmlns:r="http://schemas.openxmlformats.org/officeDocument/2006/relationships" xmlns:p="http://schemas.openxmlformats.org/presentationml/2006/main" showMasterSp="1" showMasterPhAnim="1">
+<p:sld xmlns:a="http://schemas.openxmlformats.org/drawingml/2006/main" xmlns:r="http://schemas.openxmlformats.org/officeDocument/2006/relationships" xmlns:p="http://schemas.openxmlformats.org/presentationml/2006/main">
   <p:cSld>
     <p:spTree>
       <p:nvGrpSpPr>
@@ -4532,7 +4687,9 @@
       <p:sp>
         <p:nvSpPr>
           <p:cNvPr id="114" name="Shape 114"/>
-          <p:cNvSpPr/>
+          <p:cNvSpPr>
+            <a:spLocks noGrp="1"/>
+          </p:cNvSpPr>
           <p:nvPr>
             <p:ph type="title"/>
           </p:nvPr>
@@ -4546,7 +4703,6 @@
           <a:bodyPr/>
           <a:lstStyle/>
           <a:p>
-            <a:pPr/>
             <a:r>
               <a:t>Use Cases</a:t>
             </a:r>
@@ -4620,13 +4776,7 @@
               </a:defRPr>
             </a:pPr>
             <a:r>
-              <a:t>Data Application </a:t>
-            </a:r>
-            <a:r>
-              <a:t>Lab</a:t>
-            </a:r>
-            <a:r>
-              <a:t> </a:t>
+              <a:t>Data Application Lab </a:t>
             </a:r>
             <a:r>
               <a:rPr b="0"/>
@@ -4640,12 +4790,19 @@
   <p:clrMapOvr>
     <a:masterClrMapping/>
   </p:clrMapOvr>
-  <p:transition xmlns:p14="http://schemas.microsoft.com/office/powerpoint/2010/main" spd="med" advClick="1" p14:dur="1000"/>
+  <p:transition xmlns:p14="http://schemas.microsoft.com/office/powerpoint/2010/main" spd="slow"/>
+  <p:timing>
+    <p:tnLst>
+      <p:par>
+        <p:cTn xmlns:p14="http://schemas.microsoft.com/office/powerpoint/2010/main" id="1" dur="indefinite" restart="never" nodeType="tmRoot"/>
+      </p:par>
+    </p:tnLst>
+  </p:timing>
 </p:sld>
 </file>
 
 <file path=ppt/slides/slide20.xml><?xml version="1.0" encoding="utf-8"?>
-<p:sld xmlns:a="http://schemas.openxmlformats.org/drawingml/2006/main" xmlns:r="http://schemas.openxmlformats.org/officeDocument/2006/relationships" xmlns:p="http://schemas.openxmlformats.org/presentationml/2006/main" showMasterSp="1" showMasterPhAnim="1">
+<p:sld xmlns:a="http://schemas.openxmlformats.org/drawingml/2006/main" xmlns:r="http://schemas.openxmlformats.org/officeDocument/2006/relationships" xmlns:p="http://schemas.openxmlformats.org/presentationml/2006/main">
   <p:cSld>
     <p:spTree>
       <p:nvGrpSpPr>
@@ -4664,7 +4821,9 @@
       <p:sp>
         <p:nvSpPr>
           <p:cNvPr id="186" name="Shape 186"/>
-          <p:cNvSpPr/>
+          <p:cNvSpPr>
+            <a:spLocks noGrp="1"/>
+          </p:cNvSpPr>
           <p:nvPr>
             <p:ph type="title"/>
           </p:nvPr>
@@ -4678,7 +4837,6 @@
           <a:bodyPr/>
           <a:lstStyle/>
           <a:p>
-            <a:pPr/>
             <a:r>
               <a:t>Reference</a:t>
             </a:r>
@@ -4688,7 +4846,9 @@
       <p:sp>
         <p:nvSpPr>
           <p:cNvPr id="187" name="Shape 187"/>
-          <p:cNvSpPr/>
+          <p:cNvSpPr>
+            <a:spLocks noGrp="1"/>
+          </p:cNvSpPr>
           <p:nvPr>
             <p:ph type="body" idx="1"/>
           </p:nvPr>
@@ -4706,7 +4866,6 @@
           <a:bodyPr/>
           <a:lstStyle/>
           <a:p>
-            <a:pPr/>
             <a:r>
               <a:rPr u="sng">
                 <a:solidFill>
@@ -4717,10 +4876,25 @@
                     <a:srgbClr val="0000FF"/>
                   </a:solidFill>
                 </a:uFill>
-                <a:hlinkClick r:id="rId2" invalidUrl="" action="" tgtFrame="" tooltip="" history="1" highlightClick="0" endSnd="0"/>
+                <a:hlinkClick r:id="rId2"/>
               </a:rPr>
-              <a:t>http://</a:t>
-            </a:r>
+              <a:t>http://storm.apache.org/documentation/Documentation.html</a:t>
+            </a:r>
+          </a:p>
+          <a:p>
+            <a:endParaRPr u="sng">
+              <a:solidFill>
+                <a:srgbClr val="0000FF"/>
+              </a:solidFill>
+              <a:uFill>
+                <a:solidFill>
+                  <a:srgbClr val="0000FF"/>
+                </a:solidFill>
+              </a:uFill>
+              <a:hlinkClick r:id="rId2"/>
+            </a:endParaRPr>
+          </a:p>
+          <a:p>
             <a:r>
               <a:rPr u="sng">
                 <a:solidFill>
@@ -4731,64 +4905,25 @@
                     <a:srgbClr val="0000FF"/>
                   </a:solidFill>
                 </a:uFill>
-                <a:hlinkClick r:id="rId2" invalidUrl="" action="" tgtFrame="" tooltip="" history="1" highlightClick="0" endSnd="0"/>
+                <a:hlinkClick r:id="rId2"/>
               </a:rPr>
-              <a:t>storm.apache.org/documentation/Documentation.html</a:t>
-            </a:r>
-          </a:p>
-          <a:p>
-            <a:pPr/>
-          </a:p>
-          <a:p>
-            <a:pPr/>
-            <a:r>
-              <a:rPr u="sng">
+              <a:t>https://storm.apache.org/documentation/Tutorial.html</a:t>
+            </a:r>
+          </a:p>
+          <a:p>
+            <a:endParaRPr u="sng">
+              <a:solidFill>
+                <a:srgbClr val="0000FF"/>
+              </a:solidFill>
+              <a:uFill>
                 <a:solidFill>
                   <a:srgbClr val="0000FF"/>
                 </a:solidFill>
-                <a:uFill>
-                  <a:solidFill>
-                    <a:srgbClr val="0000FF"/>
-                  </a:solidFill>
-                </a:uFill>
-                <a:hlinkClick r:id="rId2" invalidUrl="" action="" tgtFrame="" tooltip="" history="1" highlightClick="0" endSnd="0"/>
-              </a:rPr>
-              <a:t>https</a:t>
-            </a:r>
-            <a:r>
-              <a:rPr u="sng">
-                <a:solidFill>
-                  <a:srgbClr val="0000FF"/>
-                </a:solidFill>
-                <a:uFill>
-                  <a:solidFill>
-                    <a:srgbClr val="0000FF"/>
-                  </a:solidFill>
-                </a:uFill>
-                <a:hlinkClick r:id="rId2" invalidUrl="" action="" tgtFrame="" tooltip="" history="1" highlightClick="0" endSnd="0"/>
-              </a:rPr>
-              <a:t>://</a:t>
-            </a:r>
-            <a:r>
-              <a:rPr u="sng">
-                <a:solidFill>
-                  <a:srgbClr val="0000FF"/>
-                </a:solidFill>
-                <a:uFill>
-                  <a:solidFill>
-                    <a:srgbClr val="0000FF"/>
-                  </a:solidFill>
-                </a:uFill>
-                <a:hlinkClick r:id="rId2" invalidUrl="" action="" tgtFrame="" tooltip="" history="1" highlightClick="0" endSnd="0"/>
-              </a:rPr>
-              <a:t>storm.apache.org/documentation/Tutorial.html</a:t>
-            </a:r>
-          </a:p>
-          <a:p>
-            <a:pPr/>
-          </a:p>
-          <a:p>
-            <a:pPr/>
+              </a:uFill>
+              <a:hlinkClick r:id="rId2"/>
+            </a:endParaRPr>
+          </a:p>
+          <a:p>
             <a:r>
               <a:t>http://nathanmarz.github.io/storm/doc-0.8.1/index.html</a:t>
             </a:r>
@@ -4833,13 +4968,7 @@
               </a:defRPr>
             </a:pPr>
             <a:r>
-              <a:t>Data Application </a:t>
-            </a:r>
-            <a:r>
-              <a:t>Lab</a:t>
-            </a:r>
-            <a:r>
-              <a:t> </a:t>
+              <a:t>Data Application Lab </a:t>
             </a:r>
             <a:r>
               <a:rPr b="0"/>
@@ -4853,12 +4982,19 @@
   <p:clrMapOvr>
     <a:masterClrMapping/>
   </p:clrMapOvr>
-  <p:transition xmlns:p14="http://schemas.microsoft.com/office/powerpoint/2010/main" spd="med" advClick="1" p14:dur="1000"/>
+  <p:transition xmlns:p14="http://schemas.microsoft.com/office/powerpoint/2010/main" spd="slow"/>
+  <p:timing>
+    <p:tnLst>
+      <p:par>
+        <p:cTn xmlns:p14="http://schemas.microsoft.com/office/powerpoint/2010/main" id="1" dur="indefinite" restart="never" nodeType="tmRoot"/>
+      </p:par>
+    </p:tnLst>
+  </p:timing>
 </p:sld>
 </file>
 
 <file path=ppt/slides/slide3.xml><?xml version="1.0" encoding="utf-8"?>
-<p:sld xmlns:a="http://schemas.openxmlformats.org/drawingml/2006/main" xmlns:r="http://schemas.openxmlformats.org/officeDocument/2006/relationships" xmlns:p="http://schemas.openxmlformats.org/presentationml/2006/main" showMasterSp="1" showMasterPhAnim="1">
+<p:sld xmlns:a="http://schemas.openxmlformats.org/drawingml/2006/main" xmlns:r="http://schemas.openxmlformats.org/officeDocument/2006/relationships" xmlns:p="http://schemas.openxmlformats.org/presentationml/2006/main">
   <p:cSld>
     <p:spTree>
       <p:nvGrpSpPr>
@@ -4877,7 +5013,9 @@
       <p:sp>
         <p:nvSpPr>
           <p:cNvPr id="118" name="Shape 118"/>
-          <p:cNvSpPr/>
+          <p:cNvSpPr>
+            <a:spLocks noGrp="1"/>
+          </p:cNvSpPr>
           <p:nvPr>
             <p:ph type="ctrTitle"/>
           </p:nvPr>
@@ -4891,7 +5029,6 @@
           <a:bodyPr/>
           <a:lstStyle/>
           <a:p>
-            <a:pPr/>
             <a:r>
               <a:t>Storm</a:t>
             </a:r>
@@ -4936,13 +5073,7 @@
               </a:defRPr>
             </a:pPr>
             <a:r>
-              <a:t>Data Application </a:t>
-            </a:r>
-            <a:r>
-              <a:t>Lab</a:t>
-            </a:r>
-            <a:r>
-              <a:t> </a:t>
+              <a:t>Data Application Lab </a:t>
             </a:r>
             <a:r>
               <a:rPr b="0"/>
@@ -4956,12 +5087,19 @@
   <p:clrMapOvr>
     <a:masterClrMapping/>
   </p:clrMapOvr>
-  <p:transition xmlns:p14="http://schemas.microsoft.com/office/powerpoint/2010/main" spd="med" advClick="1" p14:dur="1000"/>
+  <p:transition xmlns:p14="http://schemas.microsoft.com/office/powerpoint/2010/main" spd="slow"/>
+  <p:timing>
+    <p:tnLst>
+      <p:par>
+        <p:cTn xmlns:p14="http://schemas.microsoft.com/office/powerpoint/2010/main" id="1" dur="indefinite" restart="never" nodeType="tmRoot"/>
+      </p:par>
+    </p:tnLst>
+  </p:timing>
 </p:sld>
 </file>
 
 <file path=ppt/slides/slide4.xml><?xml version="1.0" encoding="utf-8"?>
-<p:sld xmlns:a="http://schemas.openxmlformats.org/drawingml/2006/main" xmlns:r="http://schemas.openxmlformats.org/officeDocument/2006/relationships" xmlns:p="http://schemas.openxmlformats.org/presentationml/2006/main" showMasterSp="1" showMasterPhAnim="1">
+<p:sld xmlns:a="http://schemas.openxmlformats.org/drawingml/2006/main" xmlns:r="http://schemas.openxmlformats.org/officeDocument/2006/relationships" xmlns:p="http://schemas.openxmlformats.org/presentationml/2006/main">
   <p:cSld>
     <p:spTree>
       <p:nvGrpSpPr>
@@ -4980,7 +5118,9 @@
       <p:sp>
         <p:nvSpPr>
           <p:cNvPr id="121" name="Shape 121"/>
-          <p:cNvSpPr/>
+          <p:cNvSpPr>
+            <a:spLocks noGrp="1"/>
+          </p:cNvSpPr>
           <p:nvPr>
             <p:ph type="title"/>
           </p:nvPr>
@@ -4994,7 +5134,6 @@
           <a:bodyPr/>
           <a:lstStyle/>
           <a:p>
-            <a:pPr/>
             <a:r>
               <a:t>History</a:t>
             </a:r>
@@ -5004,7 +5143,9 @@
       <p:sp>
         <p:nvSpPr>
           <p:cNvPr id="122" name="Shape 122"/>
-          <p:cNvSpPr/>
+          <p:cNvSpPr>
+            <a:spLocks noGrp="1"/>
+          </p:cNvSpPr>
           <p:nvPr>
             <p:ph type="body" idx="1"/>
           </p:nvPr>
@@ -5022,25 +5163,21 @@
           <a:bodyPr/>
           <a:lstStyle/>
           <a:p>
-            <a:pPr/>
             <a:r>
               <a:t>Nathan Marz and team at BackType</a:t>
             </a:r>
           </a:p>
           <a:p>
-            <a:pPr/>
             <a:r>
               <a:t>Acquired by Twitter</a:t>
             </a:r>
           </a:p>
           <a:p>
-            <a:pPr/>
             <a:r>
               <a:t>Opensourced by Twitter</a:t>
             </a:r>
           </a:p>
           <a:p>
-            <a:pPr/>
             <a:r>
               <a:t>Initial release 9-2011</a:t>
             </a:r>
@@ -5085,13 +5222,7 @@
               </a:defRPr>
             </a:pPr>
             <a:r>
-              <a:t>Data Application </a:t>
-            </a:r>
-            <a:r>
-              <a:t>Lab</a:t>
-            </a:r>
-            <a:r>
-              <a:t> </a:t>
+              <a:t>Data Application Lab </a:t>
             </a:r>
             <a:r>
               <a:rPr b="0"/>
@@ -5105,12 +5236,19 @@
   <p:clrMapOvr>
     <a:masterClrMapping/>
   </p:clrMapOvr>
-  <p:transition xmlns:p14="http://schemas.microsoft.com/office/powerpoint/2010/main" spd="med" advClick="1" p14:dur="1000"/>
+  <p:transition xmlns:p14="http://schemas.microsoft.com/office/powerpoint/2010/main" spd="slow"/>
+  <p:timing>
+    <p:tnLst>
+      <p:par>
+        <p:cTn xmlns:p14="http://schemas.microsoft.com/office/powerpoint/2010/main" id="1" dur="indefinite" restart="never" nodeType="tmRoot"/>
+      </p:par>
+    </p:tnLst>
+  </p:timing>
 </p:sld>
 </file>
 
 <file path=ppt/slides/slide5.xml><?xml version="1.0" encoding="utf-8"?>
-<p:sld xmlns:a="http://schemas.openxmlformats.org/drawingml/2006/main" xmlns:r="http://schemas.openxmlformats.org/officeDocument/2006/relationships" xmlns:p="http://schemas.openxmlformats.org/presentationml/2006/main" showMasterSp="1" showMasterPhAnim="1">
+<p:sld xmlns:a="http://schemas.openxmlformats.org/drawingml/2006/main" xmlns:r="http://schemas.openxmlformats.org/officeDocument/2006/relationships" xmlns:p="http://schemas.openxmlformats.org/presentationml/2006/main">
   <p:cSld>
     <p:spTree>
       <p:nvGrpSpPr>
@@ -5129,7 +5267,9 @@
       <p:sp>
         <p:nvSpPr>
           <p:cNvPr id="125" name="Shape 125"/>
-          <p:cNvSpPr/>
+          <p:cNvSpPr>
+            <a:spLocks noGrp="1"/>
+          </p:cNvSpPr>
           <p:nvPr>
             <p:ph type="title"/>
           </p:nvPr>
@@ -5143,7 +5283,6 @@
           <a:bodyPr/>
           <a:lstStyle/>
           <a:p>
-            <a:pPr/>
             <a:r>
               <a:t>Characteristics</a:t>
             </a:r>
@@ -5153,7 +5292,9 @@
       <p:sp>
         <p:nvSpPr>
           <p:cNvPr id="126" name="Shape 126"/>
-          <p:cNvSpPr/>
+          <p:cNvSpPr>
+            <a:spLocks noGrp="1"/>
+          </p:cNvSpPr>
           <p:nvPr>
             <p:ph type="body" idx="1"/>
           </p:nvPr>
@@ -5178,7 +5319,7 @@
               <a:spcBef>
                 <a:spcPts val="500"/>
               </a:spcBef>
-              <a:defRPr b="1" sz="2400"/>
+              <a:defRPr sz="2400" b="1"/>
             </a:pPr>
             <a:r>
               <a:t>Fast</a:t>
@@ -5196,7 +5337,7 @@
               <a:spcBef>
                 <a:spcPts val="500"/>
               </a:spcBef>
-              <a:defRPr b="1" sz="2400"/>
+              <a:defRPr sz="2400" b="1"/>
             </a:pPr>
             <a:r>
               <a:t>Scalable</a:t>
@@ -5214,7 +5355,7 @@
               <a:spcBef>
                 <a:spcPts val="500"/>
               </a:spcBef>
-              <a:defRPr b="1" sz="2400"/>
+              <a:defRPr sz="2400" b="1"/>
             </a:pPr>
             <a:r>
               <a:t>Fault-tolerant</a:t>
@@ -5232,7 +5373,7 @@
               <a:spcBef>
                 <a:spcPts val="500"/>
               </a:spcBef>
-              <a:defRPr b="1" sz="2400"/>
+              <a:defRPr sz="2400" b="1"/>
             </a:pPr>
             <a:r>
               <a:t>Reliable</a:t>
@@ -5250,7 +5391,7 @@
               <a:spcBef>
                 <a:spcPts val="500"/>
               </a:spcBef>
-              <a:defRPr b="1" sz="2400"/>
+              <a:defRPr sz="2400" b="1"/>
             </a:pPr>
             <a:r>
               <a:t>Easy to operate</a:t>
@@ -5300,13 +5441,7 @@
               </a:defRPr>
             </a:pPr>
             <a:r>
-              <a:t>Data Application </a:t>
-            </a:r>
-            <a:r>
-              <a:t>Lab</a:t>
-            </a:r>
-            <a:r>
-              <a:t> </a:t>
+              <a:t>Data Application Lab </a:t>
             </a:r>
             <a:r>
               <a:rPr b="0"/>
@@ -5320,12 +5455,19 @@
   <p:clrMapOvr>
     <a:masterClrMapping/>
   </p:clrMapOvr>
-  <p:transition xmlns:p14="http://schemas.microsoft.com/office/powerpoint/2010/main" spd="med" advClick="1" p14:dur="1000"/>
+  <p:transition xmlns:p14="http://schemas.microsoft.com/office/powerpoint/2010/main" spd="slow"/>
+  <p:timing>
+    <p:tnLst>
+      <p:par>
+        <p:cTn xmlns:p14="http://schemas.microsoft.com/office/powerpoint/2010/main" id="1" dur="indefinite" restart="never" nodeType="tmRoot"/>
+      </p:par>
+    </p:tnLst>
+  </p:timing>
 </p:sld>
 </file>
 
 <file path=ppt/slides/slide6.xml><?xml version="1.0" encoding="utf-8"?>
-<p:sld xmlns:a="http://schemas.openxmlformats.org/drawingml/2006/main" xmlns:r="http://schemas.openxmlformats.org/officeDocument/2006/relationships" xmlns:p="http://schemas.openxmlformats.org/presentationml/2006/main" showMasterSp="1" showMasterPhAnim="1">
+<p:sld xmlns:a="http://schemas.openxmlformats.org/drawingml/2006/main" xmlns:r="http://schemas.openxmlformats.org/officeDocument/2006/relationships" xmlns:p="http://schemas.openxmlformats.org/presentationml/2006/main">
   <p:cSld>
     <p:spTree>
       <p:nvGrpSpPr>
@@ -5344,7 +5486,9 @@
       <p:sp>
         <p:nvSpPr>
           <p:cNvPr id="129" name="Shape 129"/>
-          <p:cNvSpPr/>
+          <p:cNvSpPr>
+            <a:spLocks noGrp="1"/>
+          </p:cNvSpPr>
           <p:nvPr>
             <p:ph type="title"/>
           </p:nvPr>
@@ -5358,7 +5502,6 @@
           <a:bodyPr/>
           <a:lstStyle/>
           <a:p>
-            <a:pPr/>
             <a:r>
               <a:t>Big Picture</a:t>
             </a:r>
@@ -5432,13 +5575,7 @@
               </a:defRPr>
             </a:pPr>
             <a:r>
-              <a:t>Data Application </a:t>
-            </a:r>
-            <a:r>
-              <a:t>Lab</a:t>
-            </a:r>
-            <a:r>
-              <a:t> </a:t>
+              <a:t>Data Application Lab </a:t>
             </a:r>
             <a:r>
               <a:rPr b="0"/>
@@ -5452,12 +5589,19 @@
   <p:clrMapOvr>
     <a:masterClrMapping/>
   </p:clrMapOvr>
-  <p:transition xmlns:p14="http://schemas.microsoft.com/office/powerpoint/2010/main" spd="med" advClick="1" p14:dur="1000"/>
+  <p:transition xmlns:p14="http://schemas.microsoft.com/office/powerpoint/2010/main" spd="slow"/>
+  <p:timing>
+    <p:tnLst>
+      <p:par>
+        <p:cTn xmlns:p14="http://schemas.microsoft.com/office/powerpoint/2010/main" id="1" dur="indefinite" restart="never" nodeType="tmRoot"/>
+      </p:par>
+    </p:tnLst>
+  </p:timing>
 </p:sld>
 </file>
 
 <file path=ppt/slides/slide7.xml><?xml version="1.0" encoding="utf-8"?>
-<p:sld xmlns:a="http://schemas.openxmlformats.org/drawingml/2006/main" xmlns:r="http://schemas.openxmlformats.org/officeDocument/2006/relationships" xmlns:p="http://schemas.openxmlformats.org/presentationml/2006/main" showMasterSp="1" showMasterPhAnim="1">
+<p:sld xmlns:a="http://schemas.openxmlformats.org/drawingml/2006/main" xmlns:r="http://schemas.openxmlformats.org/officeDocument/2006/relationships" xmlns:p="http://schemas.openxmlformats.org/presentationml/2006/main">
   <p:cSld>
     <p:spTree>
       <p:nvGrpSpPr>
@@ -5476,7 +5620,9 @@
       <p:sp>
         <p:nvSpPr>
           <p:cNvPr id="133" name="Shape 133"/>
-          <p:cNvSpPr/>
+          <p:cNvSpPr>
+            <a:spLocks noGrp="1"/>
+          </p:cNvSpPr>
           <p:nvPr>
             <p:ph type="title"/>
           </p:nvPr>
@@ -5490,7 +5636,6 @@
           <a:bodyPr/>
           <a:lstStyle/>
           <a:p>
-            <a:pPr/>
             <a:r>
               <a:t>Storm Cluster</a:t>
             </a:r>
@@ -5564,13 +5709,7 @@
               </a:defRPr>
             </a:pPr>
             <a:r>
-              <a:t>Data Application </a:t>
-            </a:r>
-            <a:r>
-              <a:t>Lab</a:t>
-            </a:r>
-            <a:r>
-              <a:t> </a:t>
+              <a:t>Data Application Lab </a:t>
             </a:r>
             <a:r>
               <a:rPr b="0"/>
@@ -5584,12 +5723,19 @@
   <p:clrMapOvr>
     <a:masterClrMapping/>
   </p:clrMapOvr>
-  <p:transition xmlns:p14="http://schemas.microsoft.com/office/powerpoint/2010/main" spd="med" advClick="1" p14:dur="1000"/>
+  <p:transition xmlns:p14="http://schemas.microsoft.com/office/powerpoint/2010/main" spd="slow"/>
+  <p:timing>
+    <p:tnLst>
+      <p:par>
+        <p:cTn xmlns:p14="http://schemas.microsoft.com/office/powerpoint/2010/main" id="1" dur="indefinite" restart="never" nodeType="tmRoot"/>
+      </p:par>
+    </p:tnLst>
+  </p:timing>
 </p:sld>
 </file>
 
 <file path=ppt/slides/slide8.xml><?xml version="1.0" encoding="utf-8"?>
-<p:sld xmlns:a="http://schemas.openxmlformats.org/drawingml/2006/main" xmlns:r="http://schemas.openxmlformats.org/officeDocument/2006/relationships" xmlns:p="http://schemas.openxmlformats.org/presentationml/2006/main" showMasterSp="1" showMasterPhAnim="1">
+<p:sld xmlns:a="http://schemas.openxmlformats.org/drawingml/2006/main" xmlns:r="http://schemas.openxmlformats.org/officeDocument/2006/relationships" xmlns:p="http://schemas.openxmlformats.org/presentationml/2006/main">
   <p:cSld>
     <p:spTree>
       <p:nvGrpSpPr>
@@ -5608,7 +5754,9 @@
       <p:sp>
         <p:nvSpPr>
           <p:cNvPr id="137" name="Shape 137"/>
-          <p:cNvSpPr/>
+          <p:cNvSpPr>
+            <a:spLocks noGrp="1"/>
+          </p:cNvSpPr>
           <p:nvPr>
             <p:ph type="title"/>
           </p:nvPr>
@@ -5622,7 +5770,6 @@
           <a:bodyPr/>
           <a:lstStyle/>
           <a:p>
-            <a:pPr/>
             <a:r>
               <a:t>Storm Cluster Components</a:t>
             </a:r>
@@ -5632,7 +5779,9 @@
       <p:sp>
         <p:nvSpPr>
           <p:cNvPr id="138" name="Shape 138"/>
-          <p:cNvSpPr/>
+          <p:cNvSpPr>
+            <a:spLocks noGrp="1"/>
+          </p:cNvSpPr>
           <p:nvPr>
             <p:ph type="body" idx="1"/>
           </p:nvPr>
@@ -5657,7 +5806,7 @@
               <a:spcBef>
                 <a:spcPts val="600"/>
               </a:spcBef>
-              <a:defRPr b="1" sz="2784"/>
+              <a:defRPr sz="2784" b="1"/>
             </a:pPr>
             <a:r>
               <a:t>Nimbus node</a:t>
@@ -5667,7 +5816,7 @@
               <a:t> (</a:t>
             </a:r>
             <a:r>
-              <a:rPr b="0" sz="1919"/>
+              <a:rPr sz="1919" b="0"/>
               <a:t>master node, similar to the Hadoop JobTracker</a:t>
             </a:r>
             <a:r>
@@ -5676,7 +5825,7 @@
             </a:r>
           </a:p>
           <a:p>
-            <a:pPr lvl="1" marL="713231" indent="-274320" defTabSz="877823">
+            <a:pPr marL="713231" lvl="1" indent="-274320" defTabSz="877823">
               <a:lnSpc>
                 <a:spcPct val="90000"/>
               </a:lnSpc>
@@ -5690,7 +5839,7 @@
             </a:r>
           </a:p>
           <a:p>
-            <a:pPr lvl="1" marL="713231" indent="-274320" defTabSz="877823">
+            <a:pPr marL="713231" lvl="1" indent="-274320" defTabSz="877823">
               <a:lnSpc>
                 <a:spcPct val="90000"/>
               </a:lnSpc>
@@ -5704,7 +5853,7 @@
             </a:r>
           </a:p>
           <a:p>
-            <a:pPr lvl="1" marL="713231" indent="-274320" defTabSz="877823">
+            <a:pPr marL="713231" lvl="1" indent="-274320" defTabSz="877823">
               <a:lnSpc>
                 <a:spcPct val="90000"/>
               </a:lnSpc>
@@ -5718,7 +5867,7 @@
             </a:r>
           </a:p>
           <a:p>
-            <a:pPr lvl="1" marL="713231" indent="-274320" defTabSz="877823">
+            <a:pPr marL="713231" lvl="1" indent="-274320" defTabSz="877823">
               <a:lnSpc>
                 <a:spcPct val="90000"/>
               </a:lnSpc>
@@ -5739,7 +5888,7 @@
               <a:spcBef>
                 <a:spcPts val="600"/>
               </a:spcBef>
-              <a:defRPr b="1" sz="2784"/>
+              <a:defRPr sz="2784" b="1"/>
             </a:pPr>
             <a:r>
               <a:t>ZooKeeper</a:t>
@@ -5757,7 +5906,7 @@
               <a:spcBef>
                 <a:spcPts val="600"/>
               </a:spcBef>
-              <a:defRPr b="1" sz="2784"/>
+              <a:defRPr sz="2784" b="1"/>
             </a:pPr>
             <a:r>
               <a:t>Supervisor</a:t>
@@ -5807,13 +5956,7 @@
               </a:defRPr>
             </a:pPr>
             <a:r>
-              <a:t>Data Application </a:t>
-            </a:r>
-            <a:r>
-              <a:t>Lab</a:t>
-            </a:r>
-            <a:r>
-              <a:t> </a:t>
+              <a:t>Data Application Lab </a:t>
             </a:r>
             <a:r>
               <a:rPr b="0"/>
@@ -5827,12 +5970,19 @@
   <p:clrMapOvr>
     <a:masterClrMapping/>
   </p:clrMapOvr>
-  <p:transition xmlns:p14="http://schemas.microsoft.com/office/powerpoint/2010/main" spd="med" advClick="1" p14:dur="1000"/>
+  <p:transition xmlns:p14="http://schemas.microsoft.com/office/powerpoint/2010/main" spd="slow"/>
+  <p:timing>
+    <p:tnLst>
+      <p:par>
+        <p:cTn xmlns:p14="http://schemas.microsoft.com/office/powerpoint/2010/main" id="1" dur="indefinite" restart="never" nodeType="tmRoot"/>
+      </p:par>
+    </p:tnLst>
+  </p:timing>
 </p:sld>
 </file>
 
 <file path=ppt/slides/slide9.xml><?xml version="1.0" encoding="utf-8"?>
-<p:sld xmlns:a="http://schemas.openxmlformats.org/drawingml/2006/main" xmlns:r="http://schemas.openxmlformats.org/officeDocument/2006/relationships" xmlns:p="http://schemas.openxmlformats.org/presentationml/2006/main" showMasterSp="1" showMasterPhAnim="1">
+<p:sld xmlns:a="http://schemas.openxmlformats.org/drawingml/2006/main" xmlns:r="http://schemas.openxmlformats.org/officeDocument/2006/relationships" xmlns:p="http://schemas.openxmlformats.org/presentationml/2006/main">
   <p:cSld>
     <p:spTree>
       <p:nvGrpSpPr>
@@ -5851,7 +6001,9 @@
       <p:sp>
         <p:nvSpPr>
           <p:cNvPr id="141" name="Shape 141"/>
-          <p:cNvSpPr/>
+          <p:cNvSpPr>
+            <a:spLocks noGrp="1"/>
+          </p:cNvSpPr>
           <p:nvPr>
             <p:ph type="title"/>
           </p:nvPr>
@@ -5865,7 +6017,6 @@
           <a:bodyPr/>
           <a:lstStyle/>
           <a:p>
-            <a:pPr/>
             <a:r>
               <a:t>Topology</a:t>
             </a:r>
@@ -5940,7 +6091,6 @@
               <a:rPr b="0"/>
               <a:t>– an ordered list of elements. For example, a “4-tuple” might be (7, 1, 3, 7)</a:t>
             </a:r>
-            <a:endParaRPr b="0"/>
           </a:p>
           <a:p>
             <a:pPr>
@@ -5953,7 +6103,6 @@
               <a:rPr b="0"/>
               <a:t> – an unbounded sequence of tuples.</a:t>
             </a:r>
-            <a:endParaRPr b="0"/>
           </a:p>
           <a:p>
             <a:pPr>
@@ -5966,7 +6115,6 @@
               <a:rPr b="0"/>
               <a:t> –sources of streams in a computation (e.g. a Twitter API)</a:t>
             </a:r>
-            <a:endParaRPr b="0"/>
           </a:p>
           <a:p>
             <a:pPr>
@@ -5979,7 +6127,6 @@
               <a:rPr b="0"/>
               <a:t> – process input streams and produce output streams. They can: run functions; filter, aggregate, or join data; or talk to databases.</a:t>
             </a:r>
-            <a:endParaRPr b="0"/>
           </a:p>
           <a:p>
             <a:pPr>
@@ -6033,13 +6180,7 @@
               </a:defRPr>
             </a:pPr>
             <a:r>
-              <a:t>Data Application </a:t>
-            </a:r>
-            <a:r>
-              <a:t>Lab</a:t>
-            </a:r>
-            <a:r>
-              <a:t> </a:t>
+              <a:t>Data Application Lab </a:t>
             </a:r>
             <a:r>
               <a:rPr b="0"/>
@@ -6053,12 +6194,19 @@
   <p:clrMapOvr>
     <a:masterClrMapping/>
   </p:clrMapOvr>
-  <p:transition xmlns:p14="http://schemas.microsoft.com/office/powerpoint/2010/main" spd="med" advClick="1" p14:dur="1000"/>
+  <p:transition xmlns:p14="http://schemas.microsoft.com/office/powerpoint/2010/main" spd="slow"/>
+  <p:timing>
+    <p:tnLst>
+      <p:par>
+        <p:cTn xmlns:p14="http://schemas.microsoft.com/office/powerpoint/2010/main" id="1" dur="indefinite" restart="never" nodeType="tmRoot"/>
+      </p:par>
+    </p:tnLst>
+  </p:timing>
 </p:sld>
 </file>
 
 <file path=ppt/theme/theme1.xml><?xml version="1.0" encoding="utf-8"?>
-<a:theme xmlns:a="http://schemas.openxmlformats.org/drawingml/2006/main" xmlns:r="http://schemas.openxmlformats.org/officeDocument/2006/relationships" name="Office Theme">
+<a:theme xmlns:a="http://schemas.openxmlformats.org/drawingml/2006/main" name="Office Theme">
   <a:themeElements>
     <a:clrScheme name="Office Theme">
       <a:dk1>
@@ -6184,7 +6332,7 @@
       <a:effectStyleLst>
         <a:effectStyle>
           <a:effectLst>
-            <a:outerShdw sx="100000" sy="100000" kx="0" ky="0" algn="b" rotWithShape="0" blurRad="38100" dist="23000" dir="5400000">
+            <a:outerShdw blurRad="38100" dist="23000" dir="5400000" rotWithShape="0">
               <a:srgbClr val="000000">
                 <a:alpha val="35000"/>
               </a:srgbClr>
@@ -6193,7 +6341,7 @@
         </a:effectStyle>
         <a:effectStyle>
           <a:effectLst>
-            <a:outerShdw sx="100000" sy="100000" kx="0" ky="0" algn="b" rotWithShape="0" blurRad="38100" dist="23000" dir="5400000">
+            <a:outerShdw blurRad="38100" dist="23000" dir="5400000" rotWithShape="0">
               <a:srgbClr val="000000">
                 <a:alpha val="35000"/>
               </a:srgbClr>
@@ -6202,7 +6350,7 @@
         </a:effectStyle>
         <a:effectStyle>
           <a:effectLst>
-            <a:outerShdw sx="100000" sy="100000" kx="0" ky="0" algn="b" rotWithShape="0" blurRad="38100" dist="20000" dir="5400000">
+            <a:outerShdw blurRad="38100" dist="20000" dir="5400000" rotWithShape="0">
               <a:srgbClr val="000000">
                 <a:alpha val="38000"/>
               </a:srgbClr>
@@ -6276,7 +6424,7 @@
           <a:round/>
         </a:ln>
         <a:effectLst>
-          <a:outerShdw sx="100000" sy="100000" kx="0" ky="0" algn="b" rotWithShape="0" blurRad="38100" dist="23000" dir="5400000">
+          <a:outerShdw blurRad="38100" dist="23000" dir="5400000" rotWithShape="0">
             <a:srgbClr val="000000">
               <a:alpha val="35000"/>
             </a:srgbClr>
@@ -6284,7 +6432,7 @@
         </a:effectLst>
         <a:sp3d/>
       </a:spPr>
-      <a:bodyPr rot="0" spcFirstLastPara="1" vertOverflow="overflow" horzOverflow="overflow" vert="horz" wrap="square" lIns="45719" tIns="45719" rIns="45719" bIns="45719" numCol="1" spcCol="38100" rtlCol="0" anchor="ctr" upright="0">
+      <a:bodyPr rot="0" spcFirstLastPara="1" vertOverflow="overflow" horzOverflow="overflow" vert="horz" wrap="square" lIns="45719" tIns="45719" rIns="45719" bIns="45719" numCol="1" spcCol="38100" rtlCol="0" anchor="ctr">
         <a:spAutoFit/>
       </a:bodyPr>
       <a:lstStyle>
@@ -6303,7 +6451,7 @@
           <a:buFontTx/>
           <a:buNone/>
           <a:tabLst/>
-          <a:defRPr b="0" baseline="0" cap="none" i="0" spc="0" strike="noStrike" sz="1800" u="none" kumimoji="0" normalizeH="0">
+          <a:defRPr kumimoji="0" sz="1800" b="0" i="0" u="none" strike="noStrike" cap="none" spc="0" normalizeH="0" baseline="0">
             <a:ln>
               <a:noFill/>
             </a:ln>
@@ -6333,7 +6481,7 @@
           <a:buFontTx/>
           <a:buNone/>
           <a:tabLst/>
-          <a:defRPr b="0" baseline="0" cap="none" i="0" spc="0" strike="noStrike" sz="1800" u="none" kumimoji="0" normalizeH="0">
+          <a:defRPr kumimoji="0" sz="1800" b="0" i="0" u="none" strike="noStrike" cap="none" spc="0" normalizeH="0" baseline="0">
             <a:ln>
               <a:noFill/>
             </a:ln>
@@ -6359,7 +6507,7 @@
           <a:buFontTx/>
           <a:buNone/>
           <a:tabLst/>
-          <a:defRPr b="0" baseline="0" cap="none" i="0" spc="0" strike="noStrike" sz="1800" u="none" kumimoji="0" normalizeH="0">
+          <a:defRPr kumimoji="0" sz="1800" b="0" i="0" u="none" strike="noStrike" cap="none" spc="0" normalizeH="0" baseline="0">
             <a:ln>
               <a:noFill/>
             </a:ln>
@@ -6385,7 +6533,7 @@
           <a:buFontTx/>
           <a:buNone/>
           <a:tabLst/>
-          <a:defRPr b="0" baseline="0" cap="none" i="0" spc="0" strike="noStrike" sz="1800" u="none" kumimoji="0" normalizeH="0">
+          <a:defRPr kumimoji="0" sz="1800" b="0" i="0" u="none" strike="noStrike" cap="none" spc="0" normalizeH="0" baseline="0">
             <a:ln>
               <a:noFill/>
             </a:ln>
@@ -6411,7 +6559,7 @@
           <a:buFontTx/>
           <a:buNone/>
           <a:tabLst/>
-          <a:defRPr b="0" baseline="0" cap="none" i="0" spc="0" strike="noStrike" sz="1800" u="none" kumimoji="0" normalizeH="0">
+          <a:defRPr kumimoji="0" sz="1800" b="0" i="0" u="none" strike="noStrike" cap="none" spc="0" normalizeH="0" baseline="0">
             <a:ln>
               <a:noFill/>
             </a:ln>
@@ -6437,7 +6585,7 @@
           <a:buFontTx/>
           <a:buNone/>
           <a:tabLst/>
-          <a:defRPr b="0" baseline="0" cap="none" i="0" spc="0" strike="noStrike" sz="1800" u="none" kumimoji="0" normalizeH="0">
+          <a:defRPr kumimoji="0" sz="1800" b="0" i="0" u="none" strike="noStrike" cap="none" spc="0" normalizeH="0" baseline="0">
             <a:ln>
               <a:noFill/>
             </a:ln>
@@ -6463,7 +6611,7 @@
           <a:buFontTx/>
           <a:buNone/>
           <a:tabLst/>
-          <a:defRPr b="0" baseline="0" cap="none" i="0" spc="0" strike="noStrike" sz="1800" u="none" kumimoji="0" normalizeH="0">
+          <a:defRPr kumimoji="0" sz="1800" b="0" i="0" u="none" strike="noStrike" cap="none" spc="0" normalizeH="0" baseline="0">
             <a:ln>
               <a:noFill/>
             </a:ln>
@@ -6489,7 +6637,7 @@
           <a:buFontTx/>
           <a:buNone/>
           <a:tabLst/>
-          <a:defRPr b="0" baseline="0" cap="none" i="0" spc="0" strike="noStrike" sz="1800" u="none" kumimoji="0" normalizeH="0">
+          <a:defRPr kumimoji="0" sz="1800" b="0" i="0" u="none" strike="noStrike" cap="none" spc="0" normalizeH="0" baseline="0">
             <a:ln>
               <a:noFill/>
             </a:ln>
@@ -6515,7 +6663,7 @@
           <a:buFontTx/>
           <a:buNone/>
           <a:tabLst/>
-          <a:defRPr b="0" baseline="0" cap="none" i="0" spc="0" strike="noStrike" sz="1800" u="none" kumimoji="0" normalizeH="0">
+          <a:defRPr kumimoji="0" sz="1800" b="0" i="0" u="none" strike="noStrike" cap="none" spc="0" normalizeH="0" baseline="0">
             <a:ln>
               <a:noFill/>
             </a:ln>
@@ -6541,7 +6689,7 @@
           <a:buFontTx/>
           <a:buNone/>
           <a:tabLst/>
-          <a:defRPr b="0" baseline="0" cap="none" i="0" spc="0" strike="noStrike" sz="1800" u="none" kumimoji="0" normalizeH="0">
+          <a:defRPr kumimoji="0" sz="1800" b="0" i="0" u="none" strike="noStrike" cap="none" spc="0" normalizeH="0" baseline="0">
             <a:ln>
               <a:noFill/>
             </a:ln>
@@ -6554,9 +6702,15 @@
         </a:lvl9pPr>
       </a:lstStyle>
       <a:style>
-        <a:lnRef idx="0"/>
-        <a:fillRef idx="0"/>
-        <a:effectRef idx="0"/>
+        <a:lnRef idx="0">
+          <a:scrgbClr r="0" g="0" b="0"/>
+        </a:lnRef>
+        <a:fillRef idx="0">
+          <a:scrgbClr r="0" g="0" b="0"/>
+        </a:fillRef>
+        <a:effectRef idx="0">
+          <a:scrgbClr r="0" g="0" b="0"/>
+        </a:effectRef>
         <a:fontRef idx="none"/>
       </a:style>
     </a:spDef>
@@ -6571,7 +6725,7 @@
           <a:round/>
         </a:ln>
         <a:effectLst>
-          <a:outerShdw sx="100000" sy="100000" kx="0" ky="0" algn="b" rotWithShape="0" blurRad="38100" dist="20000" dir="5400000">
+          <a:outerShdw blurRad="38100" dist="20000" dir="5400000" rotWithShape="0">
             <a:srgbClr val="000000">
               <a:alpha val="38000"/>
             </a:srgbClr>
@@ -6579,7 +6733,7 @@
         </a:effectLst>
         <a:sp3d/>
       </a:spPr>
-      <a:bodyPr rot="0" spcFirstLastPara="1" vertOverflow="overflow" horzOverflow="overflow" vert="horz" wrap="square" lIns="91439" tIns="45719" rIns="91439" bIns="45719" numCol="1" spcCol="38100" rtlCol="0" anchor="t" upright="0">
+      <a:bodyPr rot="0" spcFirstLastPara="1" vertOverflow="overflow" horzOverflow="overflow" vert="horz" wrap="square" lIns="91439" tIns="45719" rIns="91439" bIns="45719" numCol="1" spcCol="38100" rtlCol="0" anchor="t">
         <a:noAutofit/>
       </a:bodyPr>
       <a:lstStyle>
@@ -6598,7 +6752,7 @@
           <a:buFontTx/>
           <a:buNone/>
           <a:tabLst/>
-          <a:defRPr b="0" baseline="0" cap="none" i="0" spc="0" strike="noStrike" sz="1800" u="none" kumimoji="0" normalizeH="0">
+          <a:defRPr kumimoji="0" sz="1800" b="0" i="0" u="none" strike="noStrike" cap="none" spc="0" normalizeH="0" baseline="0">
             <a:ln>
               <a:noFill/>
             </a:ln>
@@ -6624,7 +6778,7 @@
           <a:buFontTx/>
           <a:buNone/>
           <a:tabLst/>
-          <a:defRPr b="0" baseline="0" cap="none" i="0" spc="0" strike="noStrike" sz="1800" u="none" kumimoji="0" normalizeH="0">
+          <a:defRPr kumimoji="0" sz="1800" b="0" i="0" u="none" strike="noStrike" cap="none" spc="0" normalizeH="0" baseline="0">
             <a:ln>
               <a:noFill/>
             </a:ln>
@@ -6650,7 +6804,7 @@
           <a:buFontTx/>
           <a:buNone/>
           <a:tabLst/>
-          <a:defRPr b="0" baseline="0" cap="none" i="0" spc="0" strike="noStrike" sz="1800" u="none" kumimoji="0" normalizeH="0">
+          <a:defRPr kumimoji="0" sz="1800" b="0" i="0" u="none" strike="noStrike" cap="none" spc="0" normalizeH="0" baseline="0">
             <a:ln>
               <a:noFill/>
             </a:ln>
@@ -6676,7 +6830,7 @@
           <a:buFontTx/>
           <a:buNone/>
           <a:tabLst/>
-          <a:defRPr b="0" baseline="0" cap="none" i="0" spc="0" strike="noStrike" sz="1800" u="none" kumimoji="0" normalizeH="0">
+          <a:defRPr kumimoji="0" sz="1800" b="0" i="0" u="none" strike="noStrike" cap="none" spc="0" normalizeH="0" baseline="0">
             <a:ln>
               <a:noFill/>
             </a:ln>
@@ -6702,7 +6856,7 @@
           <a:buFontTx/>
           <a:buNone/>
           <a:tabLst/>
-          <a:defRPr b="0" baseline="0" cap="none" i="0" spc="0" strike="noStrike" sz="1800" u="none" kumimoji="0" normalizeH="0">
+          <a:defRPr kumimoji="0" sz="1800" b="0" i="0" u="none" strike="noStrike" cap="none" spc="0" normalizeH="0" baseline="0">
             <a:ln>
               <a:noFill/>
             </a:ln>
@@ -6728,7 +6882,7 @@
           <a:buFontTx/>
           <a:buNone/>
           <a:tabLst/>
-          <a:defRPr b="0" baseline="0" cap="none" i="0" spc="0" strike="noStrike" sz="1800" u="none" kumimoji="0" normalizeH="0">
+          <a:defRPr kumimoji="0" sz="1800" b="0" i="0" u="none" strike="noStrike" cap="none" spc="0" normalizeH="0" baseline="0">
             <a:ln>
               <a:noFill/>
             </a:ln>
@@ -6754,7 +6908,7 @@
           <a:buFontTx/>
           <a:buNone/>
           <a:tabLst/>
-          <a:defRPr b="0" baseline="0" cap="none" i="0" spc="0" strike="noStrike" sz="1800" u="none" kumimoji="0" normalizeH="0">
+          <a:defRPr kumimoji="0" sz="1800" b="0" i="0" u="none" strike="noStrike" cap="none" spc="0" normalizeH="0" baseline="0">
             <a:ln>
               <a:noFill/>
             </a:ln>
@@ -6780,7 +6934,7 @@
           <a:buFontTx/>
           <a:buNone/>
           <a:tabLst/>
-          <a:defRPr b="0" baseline="0" cap="none" i="0" spc="0" strike="noStrike" sz="1800" u="none" kumimoji="0" normalizeH="0">
+          <a:defRPr kumimoji="0" sz="1800" b="0" i="0" u="none" strike="noStrike" cap="none" spc="0" normalizeH="0" baseline="0">
             <a:ln>
               <a:noFill/>
             </a:ln>
@@ -6806,7 +6960,7 @@
           <a:buFontTx/>
           <a:buNone/>
           <a:tabLst/>
-          <a:defRPr b="0" baseline="0" cap="none" i="0" spc="0" strike="noStrike" sz="1800" u="none" kumimoji="0" normalizeH="0">
+          <a:defRPr kumimoji="0" sz="1800" b="0" i="0" u="none" strike="noStrike" cap="none" spc="0" normalizeH="0" baseline="0">
             <a:ln>
               <a:noFill/>
             </a:ln>
@@ -6832,7 +6986,7 @@
           <a:buFontTx/>
           <a:buNone/>
           <a:tabLst/>
-          <a:defRPr b="0" baseline="0" cap="none" i="0" spc="0" strike="noStrike" sz="1800" u="none" kumimoji="0" normalizeH="0">
+          <a:defRPr kumimoji="0" sz="1800" b="0" i="0" u="none" strike="noStrike" cap="none" spc="0" normalizeH="0" baseline="0">
             <a:ln>
               <a:noFill/>
             </a:ln>
@@ -6845,9 +6999,15 @@
         </a:lvl9pPr>
       </a:lstStyle>
       <a:style>
-        <a:lnRef idx="0"/>
-        <a:fillRef idx="0"/>
-        <a:effectRef idx="0"/>
+        <a:lnRef idx="0">
+          <a:scrgbClr r="0" g="0" b="0"/>
+        </a:lnRef>
+        <a:fillRef idx="0">
+          <a:scrgbClr r="0" g="0" b="0"/>
+        </a:fillRef>
+        <a:effectRef idx="0">
+          <a:scrgbClr r="0" g="0" b="0"/>
+        </a:effectRef>
         <a:fontRef idx="none"/>
       </a:style>
     </a:lnDef>
@@ -6861,7 +7021,7 @@
         <a:effectLst/>
         <a:sp3d/>
       </a:spPr>
-      <a:bodyPr rot="0" spcFirstLastPara="1" vertOverflow="overflow" horzOverflow="overflow" vert="horz" wrap="square" lIns="45719" tIns="45719" rIns="45719" bIns="45719" numCol="1" spcCol="38100" rtlCol="0" anchor="t" upright="0">
+      <a:bodyPr rot="0" spcFirstLastPara="1" vertOverflow="overflow" horzOverflow="overflow" vert="horz" wrap="square" lIns="45719" tIns="45719" rIns="45719" bIns="45719" numCol="1" spcCol="38100" rtlCol="0" anchor="t">
         <a:spAutoFit/>
       </a:bodyPr>
       <a:lstStyle>
@@ -6880,7 +7040,7 @@
           <a:buFontTx/>
           <a:buNone/>
           <a:tabLst/>
-          <a:defRPr b="0" baseline="0" cap="none" i="0" spc="0" strike="noStrike" sz="1800" u="none" kumimoji="0" normalizeH="0">
+          <a:defRPr kumimoji="0" sz="1800" b="0" i="0" u="none" strike="noStrike" cap="none" spc="0" normalizeH="0" baseline="0">
             <a:ln>
               <a:noFill/>
             </a:ln>
@@ -6910,7 +7070,7 @@
           <a:buFontTx/>
           <a:buNone/>
           <a:tabLst/>
-          <a:defRPr b="0" baseline="0" cap="none" i="0" spc="0" strike="noStrike" sz="1800" u="none" kumimoji="0" normalizeH="0">
+          <a:defRPr kumimoji="0" sz="1800" b="0" i="0" u="none" strike="noStrike" cap="none" spc="0" normalizeH="0" baseline="0">
             <a:ln>
               <a:noFill/>
             </a:ln>
@@ -6936,7 +7096,7 @@
           <a:buFontTx/>
           <a:buNone/>
           <a:tabLst/>
-          <a:defRPr b="0" baseline="0" cap="none" i="0" spc="0" strike="noStrike" sz="1800" u="none" kumimoji="0" normalizeH="0">
+          <a:defRPr kumimoji="0" sz="1800" b="0" i="0" u="none" strike="noStrike" cap="none" spc="0" normalizeH="0" baseline="0">
             <a:ln>
               <a:noFill/>
             </a:ln>
@@ -6962,7 +7122,7 @@
           <a:buFontTx/>
           <a:buNone/>
           <a:tabLst/>
-          <a:defRPr b="0" baseline="0" cap="none" i="0" spc="0" strike="noStrike" sz="1800" u="none" kumimoji="0" normalizeH="0">
+          <a:defRPr kumimoji="0" sz="1800" b="0" i="0" u="none" strike="noStrike" cap="none" spc="0" normalizeH="0" baseline="0">
             <a:ln>
               <a:noFill/>
             </a:ln>
@@ -6988,7 +7148,7 @@
           <a:buFontTx/>
           <a:buNone/>
           <a:tabLst/>
-          <a:defRPr b="0" baseline="0" cap="none" i="0" spc="0" strike="noStrike" sz="1800" u="none" kumimoji="0" normalizeH="0">
+          <a:defRPr kumimoji="0" sz="1800" b="0" i="0" u="none" strike="noStrike" cap="none" spc="0" normalizeH="0" baseline="0">
             <a:ln>
               <a:noFill/>
             </a:ln>
@@ -7014,7 +7174,7 @@
           <a:buFontTx/>
           <a:buNone/>
           <a:tabLst/>
-          <a:defRPr b="0" baseline="0" cap="none" i="0" spc="0" strike="noStrike" sz="1800" u="none" kumimoji="0" normalizeH="0">
+          <a:defRPr kumimoji="0" sz="1800" b="0" i="0" u="none" strike="noStrike" cap="none" spc="0" normalizeH="0" baseline="0">
             <a:ln>
               <a:noFill/>
             </a:ln>
@@ -7040,7 +7200,7 @@
           <a:buFontTx/>
           <a:buNone/>
           <a:tabLst/>
-          <a:defRPr b="0" baseline="0" cap="none" i="0" spc="0" strike="noStrike" sz="1800" u="none" kumimoji="0" normalizeH="0">
+          <a:defRPr kumimoji="0" sz="1800" b="0" i="0" u="none" strike="noStrike" cap="none" spc="0" normalizeH="0" baseline="0">
             <a:ln>
               <a:noFill/>
             </a:ln>
@@ -7066,7 +7226,7 @@
           <a:buFontTx/>
           <a:buNone/>
           <a:tabLst/>
-          <a:defRPr b="0" baseline="0" cap="none" i="0" spc="0" strike="noStrike" sz="1800" u="none" kumimoji="0" normalizeH="0">
+          <a:defRPr kumimoji="0" sz="1800" b="0" i="0" u="none" strike="noStrike" cap="none" spc="0" normalizeH="0" baseline="0">
             <a:ln>
               <a:noFill/>
             </a:ln>
@@ -7092,7 +7252,7 @@
           <a:buFontTx/>
           <a:buNone/>
           <a:tabLst/>
-          <a:defRPr b="0" baseline="0" cap="none" i="0" spc="0" strike="noStrike" sz="1800" u="none" kumimoji="0" normalizeH="0">
+          <a:defRPr kumimoji="0" sz="1800" b="0" i="0" u="none" strike="noStrike" cap="none" spc="0" normalizeH="0" baseline="0">
             <a:ln>
               <a:noFill/>
             </a:ln>
@@ -7118,7 +7278,7 @@
           <a:buFontTx/>
           <a:buNone/>
           <a:tabLst/>
-          <a:defRPr b="0" baseline="0" cap="none" i="0" spc="0" strike="noStrike" sz="1800" u="none" kumimoji="0" normalizeH="0">
+          <a:defRPr kumimoji="0" sz="1800" b="0" i="0" u="none" strike="noStrike" cap="none" spc="0" normalizeH="0" baseline="0">
             <a:ln>
               <a:noFill/>
             </a:ln>
@@ -7131,18 +7291,25 @@
         </a:lvl9pPr>
       </a:lstStyle>
       <a:style>
-        <a:lnRef idx="0"/>
-        <a:fillRef idx="0"/>
-        <a:effectRef idx="0"/>
+        <a:lnRef idx="0">
+          <a:scrgbClr r="0" g="0" b="0"/>
+        </a:lnRef>
+        <a:fillRef idx="0">
+          <a:scrgbClr r="0" g="0" b="0"/>
+        </a:fillRef>
+        <a:effectRef idx="0">
+          <a:scrgbClr r="0" g="0" b="0"/>
+        </a:effectRef>
         <a:fontRef idx="none"/>
       </a:style>
     </a:txDef>
   </a:objectDefaults>
+  <a:extraClrSchemeLst/>
 </a:theme>
 </file>
 
 <file path=ppt/theme/theme2.xml><?xml version="1.0" encoding="utf-8"?>
-<a:theme xmlns:a="http://schemas.openxmlformats.org/drawingml/2006/main" xmlns:r="http://schemas.openxmlformats.org/officeDocument/2006/relationships" name="Office Theme">
+<a:theme xmlns:a="http://schemas.openxmlformats.org/drawingml/2006/main" name="Office Theme">
   <a:themeElements>
     <a:clrScheme name="Office Theme">
       <a:dk1>
@@ -7268,7 +7435,7 @@
       <a:effectStyleLst>
         <a:effectStyle>
           <a:effectLst>
-            <a:outerShdw sx="100000" sy="100000" kx="0" ky="0" algn="b" rotWithShape="0" blurRad="38100" dist="23000" dir="5400000">
+            <a:outerShdw blurRad="38100" dist="23000" dir="5400000" rotWithShape="0">
               <a:srgbClr val="000000">
                 <a:alpha val="35000"/>
               </a:srgbClr>
@@ -7277,7 +7444,7 @@
         </a:effectStyle>
         <a:effectStyle>
           <a:effectLst>
-            <a:outerShdw sx="100000" sy="100000" kx="0" ky="0" algn="b" rotWithShape="0" blurRad="38100" dist="23000" dir="5400000">
+            <a:outerShdw blurRad="38100" dist="23000" dir="5400000" rotWithShape="0">
               <a:srgbClr val="000000">
                 <a:alpha val="35000"/>
               </a:srgbClr>
@@ -7286,7 +7453,7 @@
         </a:effectStyle>
         <a:effectStyle>
           <a:effectLst>
-            <a:outerShdw sx="100000" sy="100000" kx="0" ky="0" algn="b" rotWithShape="0" blurRad="38100" dist="20000" dir="5400000">
+            <a:outerShdw blurRad="38100" dist="20000" dir="5400000" rotWithShape="0">
               <a:srgbClr val="000000">
                 <a:alpha val="38000"/>
               </a:srgbClr>
@@ -7360,7 +7527,7 @@
           <a:round/>
         </a:ln>
         <a:effectLst>
-          <a:outerShdw sx="100000" sy="100000" kx="0" ky="0" algn="b" rotWithShape="0" blurRad="38100" dist="23000" dir="5400000">
+          <a:outerShdw blurRad="38100" dist="23000" dir="5400000" rotWithShape="0">
             <a:srgbClr val="000000">
               <a:alpha val="35000"/>
             </a:srgbClr>
@@ -7368,7 +7535,7 @@
         </a:effectLst>
         <a:sp3d/>
       </a:spPr>
-      <a:bodyPr rot="0" spcFirstLastPara="1" vertOverflow="overflow" horzOverflow="overflow" vert="horz" wrap="square" lIns="45719" tIns="45719" rIns="45719" bIns="45719" numCol="1" spcCol="38100" rtlCol="0" anchor="ctr" upright="0">
+      <a:bodyPr rot="0" spcFirstLastPara="1" vertOverflow="overflow" horzOverflow="overflow" vert="horz" wrap="square" lIns="45719" tIns="45719" rIns="45719" bIns="45719" numCol="1" spcCol="38100" rtlCol="0" anchor="ctr">
         <a:spAutoFit/>
       </a:bodyPr>
       <a:lstStyle>
@@ -7387,7 +7554,7 @@
           <a:buFontTx/>
           <a:buNone/>
           <a:tabLst/>
-          <a:defRPr b="0" baseline="0" cap="none" i="0" spc="0" strike="noStrike" sz="1800" u="none" kumimoji="0" normalizeH="0">
+          <a:defRPr kumimoji="0" sz="1800" b="0" i="0" u="none" strike="noStrike" cap="none" spc="0" normalizeH="0" baseline="0">
             <a:ln>
               <a:noFill/>
             </a:ln>
@@ -7417,7 +7584,7 @@
           <a:buFontTx/>
           <a:buNone/>
           <a:tabLst/>
-          <a:defRPr b="0" baseline="0" cap="none" i="0" spc="0" strike="noStrike" sz="1800" u="none" kumimoji="0" normalizeH="0">
+          <a:defRPr kumimoji="0" sz="1800" b="0" i="0" u="none" strike="noStrike" cap="none" spc="0" normalizeH="0" baseline="0">
             <a:ln>
               <a:noFill/>
             </a:ln>
@@ -7443,7 +7610,7 @@
           <a:buFontTx/>
           <a:buNone/>
           <a:tabLst/>
-          <a:defRPr b="0" baseline="0" cap="none" i="0" spc="0" strike="noStrike" sz="1800" u="none" kumimoji="0" normalizeH="0">
+          <a:defRPr kumimoji="0" sz="1800" b="0" i="0" u="none" strike="noStrike" cap="none" spc="0" normalizeH="0" baseline="0">
             <a:ln>
               <a:noFill/>
             </a:ln>
@@ -7469,7 +7636,7 @@
           <a:buFontTx/>
           <a:buNone/>
           <a:tabLst/>
-          <a:defRPr b="0" baseline="0" cap="none" i="0" spc="0" strike="noStrike" sz="1800" u="none" kumimoji="0" normalizeH="0">
+          <a:defRPr kumimoji="0" sz="1800" b="0" i="0" u="none" strike="noStrike" cap="none" spc="0" normalizeH="0" baseline="0">
             <a:ln>
               <a:noFill/>
             </a:ln>
@@ -7495,7 +7662,7 @@
           <a:buFontTx/>
           <a:buNone/>
           <a:tabLst/>
-          <a:defRPr b="0" baseline="0" cap="none" i="0" spc="0" strike="noStrike" sz="1800" u="none" kumimoji="0" normalizeH="0">
+          <a:defRPr kumimoji="0" sz="1800" b="0" i="0" u="none" strike="noStrike" cap="none" spc="0" normalizeH="0" baseline="0">
             <a:ln>
               <a:noFill/>
             </a:ln>
@@ -7521,7 +7688,7 @@
           <a:buFontTx/>
           <a:buNone/>
           <a:tabLst/>
-          <a:defRPr b="0" baseline="0" cap="none" i="0" spc="0" strike="noStrike" sz="1800" u="none" kumimoji="0" normalizeH="0">
+          <a:defRPr kumimoji="0" sz="1800" b="0" i="0" u="none" strike="noStrike" cap="none" spc="0" normalizeH="0" baseline="0">
             <a:ln>
               <a:noFill/>
             </a:ln>
@@ -7547,7 +7714,7 @@
           <a:buFontTx/>
           <a:buNone/>
           <a:tabLst/>
-          <a:defRPr b="0" baseline="0" cap="none" i="0" spc="0" strike="noStrike" sz="1800" u="none" kumimoji="0" normalizeH="0">
+          <a:defRPr kumimoji="0" sz="1800" b="0" i="0" u="none" strike="noStrike" cap="none" spc="0" normalizeH="0" baseline="0">
             <a:ln>
               <a:noFill/>
             </a:ln>
@@ -7573,7 +7740,7 @@
           <a:buFontTx/>
           <a:buNone/>
           <a:tabLst/>
-          <a:defRPr b="0" baseline="0" cap="none" i="0" spc="0" strike="noStrike" sz="1800" u="none" kumimoji="0" normalizeH="0">
+          <a:defRPr kumimoji="0" sz="1800" b="0" i="0" u="none" strike="noStrike" cap="none" spc="0" normalizeH="0" baseline="0">
             <a:ln>
               <a:noFill/>
             </a:ln>
@@ -7599,7 +7766,7 @@
           <a:buFontTx/>
           <a:buNone/>
           <a:tabLst/>
-          <a:defRPr b="0" baseline="0" cap="none" i="0" spc="0" strike="noStrike" sz="1800" u="none" kumimoji="0" normalizeH="0">
+          <a:defRPr kumimoji="0" sz="1800" b="0" i="0" u="none" strike="noStrike" cap="none" spc="0" normalizeH="0" baseline="0">
             <a:ln>
               <a:noFill/>
             </a:ln>
@@ -7625,7 +7792,7 @@
           <a:buFontTx/>
           <a:buNone/>
           <a:tabLst/>
-          <a:defRPr b="0" baseline="0" cap="none" i="0" spc="0" strike="noStrike" sz="1800" u="none" kumimoji="0" normalizeH="0">
+          <a:defRPr kumimoji="0" sz="1800" b="0" i="0" u="none" strike="noStrike" cap="none" spc="0" normalizeH="0" baseline="0">
             <a:ln>
               <a:noFill/>
             </a:ln>
@@ -7638,9 +7805,15 @@
         </a:lvl9pPr>
       </a:lstStyle>
       <a:style>
-        <a:lnRef idx="0"/>
-        <a:fillRef idx="0"/>
-        <a:effectRef idx="0"/>
+        <a:lnRef idx="0">
+          <a:scrgbClr r="0" g="0" b="0"/>
+        </a:lnRef>
+        <a:fillRef idx="0">
+          <a:scrgbClr r="0" g="0" b="0"/>
+        </a:fillRef>
+        <a:effectRef idx="0">
+          <a:scrgbClr r="0" g="0" b="0"/>
+        </a:effectRef>
         <a:fontRef idx="none"/>
       </a:style>
     </a:spDef>
@@ -7655,7 +7828,7 @@
           <a:round/>
         </a:ln>
         <a:effectLst>
-          <a:outerShdw sx="100000" sy="100000" kx="0" ky="0" algn="b" rotWithShape="0" blurRad="38100" dist="20000" dir="5400000">
+          <a:outerShdw blurRad="38100" dist="20000" dir="5400000" rotWithShape="0">
             <a:srgbClr val="000000">
               <a:alpha val="38000"/>
             </a:srgbClr>
@@ -7663,7 +7836,7 @@
         </a:effectLst>
         <a:sp3d/>
       </a:spPr>
-      <a:bodyPr rot="0" spcFirstLastPara="1" vertOverflow="overflow" horzOverflow="overflow" vert="horz" wrap="square" lIns="91439" tIns="45719" rIns="91439" bIns="45719" numCol="1" spcCol="38100" rtlCol="0" anchor="t" upright="0">
+      <a:bodyPr rot="0" spcFirstLastPara="1" vertOverflow="overflow" horzOverflow="overflow" vert="horz" wrap="square" lIns="91439" tIns="45719" rIns="91439" bIns="45719" numCol="1" spcCol="38100" rtlCol="0" anchor="t">
         <a:noAutofit/>
       </a:bodyPr>
       <a:lstStyle>
@@ -7682,7 +7855,7 @@
           <a:buFontTx/>
           <a:buNone/>
           <a:tabLst/>
-          <a:defRPr b="0" baseline="0" cap="none" i="0" spc="0" strike="noStrike" sz="1800" u="none" kumimoji="0" normalizeH="0">
+          <a:defRPr kumimoji="0" sz="1800" b="0" i="0" u="none" strike="noStrike" cap="none" spc="0" normalizeH="0" baseline="0">
             <a:ln>
               <a:noFill/>
             </a:ln>
@@ -7708,7 +7881,7 @@
           <a:buFontTx/>
           <a:buNone/>
           <a:tabLst/>
-          <a:defRPr b="0" baseline="0" cap="none" i="0" spc="0" strike="noStrike" sz="1800" u="none" kumimoji="0" normalizeH="0">
+          <a:defRPr kumimoji="0" sz="1800" b="0" i="0" u="none" strike="noStrike" cap="none" spc="0" normalizeH="0" baseline="0">
             <a:ln>
               <a:noFill/>
             </a:ln>
@@ -7734,7 +7907,7 @@
           <a:buFontTx/>
           <a:buNone/>
           <a:tabLst/>
-          <a:defRPr b="0" baseline="0" cap="none" i="0" spc="0" strike="noStrike" sz="1800" u="none" kumimoji="0" normalizeH="0">
+          <a:defRPr kumimoji="0" sz="1800" b="0" i="0" u="none" strike="noStrike" cap="none" spc="0" normalizeH="0" baseline="0">
             <a:ln>
               <a:noFill/>
             </a:ln>
@@ -7760,7 +7933,7 @@
           <a:buFontTx/>
           <a:buNone/>
           <a:tabLst/>
-          <a:defRPr b="0" baseline="0" cap="none" i="0" spc="0" strike="noStrike" sz="1800" u="none" kumimoji="0" normalizeH="0">
+          <a:defRPr kumimoji="0" sz="1800" b="0" i="0" u="none" strike="noStrike" cap="none" spc="0" normalizeH="0" baseline="0">
             <a:ln>
               <a:noFill/>
             </a:ln>
@@ -7786,7 +7959,7 @@
           <a:buFontTx/>
           <a:buNone/>
           <a:tabLst/>
-          <a:defRPr b="0" baseline="0" cap="none" i="0" spc="0" strike="noStrike" sz="1800" u="none" kumimoji="0" normalizeH="0">
+          <a:defRPr kumimoji="0" sz="1800" b="0" i="0" u="none" strike="noStrike" cap="none" spc="0" normalizeH="0" baseline="0">
             <a:ln>
               <a:noFill/>
             </a:ln>
@@ -7812,7 +7985,7 @@
           <a:buFontTx/>
           <a:buNone/>
           <a:tabLst/>
-          <a:defRPr b="0" baseline="0" cap="none" i="0" spc="0" strike="noStrike" sz="1800" u="none" kumimoji="0" normalizeH="0">
+          <a:defRPr kumimoji="0" sz="1800" b="0" i="0" u="none" strike="noStrike" cap="none" spc="0" normalizeH="0" baseline="0">
             <a:ln>
               <a:noFill/>
             </a:ln>
@@ -7838,7 +8011,7 @@
           <a:buFontTx/>
           <a:buNone/>
           <a:tabLst/>
-          <a:defRPr b="0" baseline="0" cap="none" i="0" spc="0" strike="noStrike" sz="1800" u="none" kumimoji="0" normalizeH="0">
+          <a:defRPr kumimoji="0" sz="1800" b="0" i="0" u="none" strike="noStrike" cap="none" spc="0" normalizeH="0" baseline="0">
             <a:ln>
               <a:noFill/>
             </a:ln>
@@ -7864,7 +8037,7 @@
           <a:buFontTx/>
           <a:buNone/>
           <a:tabLst/>
-          <a:defRPr b="0" baseline="0" cap="none" i="0" spc="0" strike="noStrike" sz="1800" u="none" kumimoji="0" normalizeH="0">
+          <a:defRPr kumimoji="0" sz="1800" b="0" i="0" u="none" strike="noStrike" cap="none" spc="0" normalizeH="0" baseline="0">
             <a:ln>
               <a:noFill/>
             </a:ln>
@@ -7890,7 +8063,7 @@
           <a:buFontTx/>
           <a:buNone/>
           <a:tabLst/>
-          <a:defRPr b="0" baseline="0" cap="none" i="0" spc="0" strike="noStrike" sz="1800" u="none" kumimoji="0" normalizeH="0">
+          <a:defRPr kumimoji="0" sz="1800" b="0" i="0" u="none" strike="noStrike" cap="none" spc="0" normalizeH="0" baseline="0">
             <a:ln>
               <a:noFill/>
             </a:ln>
@@ -7916,7 +8089,7 @@
           <a:buFontTx/>
           <a:buNone/>
           <a:tabLst/>
-          <a:defRPr b="0" baseline="0" cap="none" i="0" spc="0" strike="noStrike" sz="1800" u="none" kumimoji="0" normalizeH="0">
+          <a:defRPr kumimoji="0" sz="1800" b="0" i="0" u="none" strike="noStrike" cap="none" spc="0" normalizeH="0" baseline="0">
             <a:ln>
               <a:noFill/>
             </a:ln>
@@ -7929,9 +8102,15 @@
         </a:lvl9pPr>
       </a:lstStyle>
       <a:style>
-        <a:lnRef idx="0"/>
-        <a:fillRef idx="0"/>
-        <a:effectRef idx="0"/>
+        <a:lnRef idx="0">
+          <a:scrgbClr r="0" g="0" b="0"/>
+        </a:lnRef>
+        <a:fillRef idx="0">
+          <a:scrgbClr r="0" g="0" b="0"/>
+        </a:fillRef>
+        <a:effectRef idx="0">
+          <a:scrgbClr r="0" g="0" b="0"/>
+        </a:effectRef>
         <a:fontRef idx="none"/>
       </a:style>
     </a:lnDef>
@@ -7945,7 +8124,7 @@
         <a:effectLst/>
         <a:sp3d/>
       </a:spPr>
-      <a:bodyPr rot="0" spcFirstLastPara="1" vertOverflow="overflow" horzOverflow="overflow" vert="horz" wrap="square" lIns="45719" tIns="45719" rIns="45719" bIns="45719" numCol="1" spcCol="38100" rtlCol="0" anchor="t" upright="0">
+      <a:bodyPr rot="0" spcFirstLastPara="1" vertOverflow="overflow" horzOverflow="overflow" vert="horz" wrap="square" lIns="45719" tIns="45719" rIns="45719" bIns="45719" numCol="1" spcCol="38100" rtlCol="0" anchor="t">
         <a:spAutoFit/>
       </a:bodyPr>
       <a:lstStyle>
@@ -7964,7 +8143,7 @@
           <a:buFontTx/>
           <a:buNone/>
           <a:tabLst/>
-          <a:defRPr b="0" baseline="0" cap="none" i="0" spc="0" strike="noStrike" sz="1800" u="none" kumimoji="0" normalizeH="0">
+          <a:defRPr kumimoji="0" sz="1800" b="0" i="0" u="none" strike="noStrike" cap="none" spc="0" normalizeH="0" baseline="0">
             <a:ln>
               <a:noFill/>
             </a:ln>
@@ -7994,7 +8173,7 @@
           <a:buFontTx/>
           <a:buNone/>
           <a:tabLst/>
-          <a:defRPr b="0" baseline="0" cap="none" i="0" spc="0" strike="noStrike" sz="1800" u="none" kumimoji="0" normalizeH="0">
+          <a:defRPr kumimoji="0" sz="1800" b="0" i="0" u="none" strike="noStrike" cap="none" spc="0" normalizeH="0" baseline="0">
             <a:ln>
               <a:noFill/>
             </a:ln>
@@ -8020,7 +8199,7 @@
           <a:buFontTx/>
           <a:buNone/>
           <a:tabLst/>
-          <a:defRPr b="0" baseline="0" cap="none" i="0" spc="0" strike="noStrike" sz="1800" u="none" kumimoji="0" normalizeH="0">
+          <a:defRPr kumimoji="0" sz="1800" b="0" i="0" u="none" strike="noStrike" cap="none" spc="0" normalizeH="0" baseline="0">
             <a:ln>
               <a:noFill/>
             </a:ln>
@@ -8046,7 +8225,7 @@
           <a:buFontTx/>
           <a:buNone/>
           <a:tabLst/>
-          <a:defRPr b="0" baseline="0" cap="none" i="0" spc="0" strike="noStrike" sz="1800" u="none" kumimoji="0" normalizeH="0">
+          <a:defRPr kumimoji="0" sz="1800" b="0" i="0" u="none" strike="noStrike" cap="none" spc="0" normalizeH="0" baseline="0">
             <a:ln>
               <a:noFill/>
             </a:ln>
@@ -8072,7 +8251,7 @@
           <a:buFontTx/>
           <a:buNone/>
           <a:tabLst/>
-          <a:defRPr b="0" baseline="0" cap="none" i="0" spc="0" strike="noStrike" sz="1800" u="none" kumimoji="0" normalizeH="0">
+          <a:defRPr kumimoji="0" sz="1800" b="0" i="0" u="none" strike="noStrike" cap="none" spc="0" normalizeH="0" baseline="0">
             <a:ln>
               <a:noFill/>
             </a:ln>
@@ -8098,7 +8277,7 @@
           <a:buFontTx/>
           <a:buNone/>
           <a:tabLst/>
-          <a:defRPr b="0" baseline="0" cap="none" i="0" spc="0" strike="noStrike" sz="1800" u="none" kumimoji="0" normalizeH="0">
+          <a:defRPr kumimoji="0" sz="1800" b="0" i="0" u="none" strike="noStrike" cap="none" spc="0" normalizeH="0" baseline="0">
             <a:ln>
               <a:noFill/>
             </a:ln>
@@ -8124,7 +8303,7 @@
           <a:buFontTx/>
           <a:buNone/>
           <a:tabLst/>
-          <a:defRPr b="0" baseline="0" cap="none" i="0" spc="0" strike="noStrike" sz="1800" u="none" kumimoji="0" normalizeH="0">
+          <a:defRPr kumimoji="0" sz="1800" b="0" i="0" u="none" strike="noStrike" cap="none" spc="0" normalizeH="0" baseline="0">
             <a:ln>
               <a:noFill/>
             </a:ln>
@@ -8150,7 +8329,7 @@
           <a:buFontTx/>
           <a:buNone/>
           <a:tabLst/>
-          <a:defRPr b="0" baseline="0" cap="none" i="0" spc="0" strike="noStrike" sz="1800" u="none" kumimoji="0" normalizeH="0">
+          <a:defRPr kumimoji="0" sz="1800" b="0" i="0" u="none" strike="noStrike" cap="none" spc="0" normalizeH="0" baseline="0">
             <a:ln>
               <a:noFill/>
             </a:ln>
@@ -8176,7 +8355,7 @@
           <a:buFontTx/>
           <a:buNone/>
           <a:tabLst/>
-          <a:defRPr b="0" baseline="0" cap="none" i="0" spc="0" strike="noStrike" sz="1800" u="none" kumimoji="0" normalizeH="0">
+          <a:defRPr kumimoji="0" sz="1800" b="0" i="0" u="none" strike="noStrike" cap="none" spc="0" normalizeH="0" baseline="0">
             <a:ln>
               <a:noFill/>
             </a:ln>
@@ -8202,7 +8381,7 @@
           <a:buFontTx/>
           <a:buNone/>
           <a:tabLst/>
-          <a:defRPr b="0" baseline="0" cap="none" i="0" spc="0" strike="noStrike" sz="1800" u="none" kumimoji="0" normalizeH="0">
+          <a:defRPr kumimoji="0" sz="1800" b="0" i="0" u="none" strike="noStrike" cap="none" spc="0" normalizeH="0" baseline="0">
             <a:ln>
               <a:noFill/>
             </a:ln>
@@ -8215,12 +8394,19 @@
         </a:lvl9pPr>
       </a:lstStyle>
       <a:style>
-        <a:lnRef idx="0"/>
-        <a:fillRef idx="0"/>
-        <a:effectRef idx="0"/>
+        <a:lnRef idx="0">
+          <a:scrgbClr r="0" g="0" b="0"/>
+        </a:lnRef>
+        <a:fillRef idx="0">
+          <a:scrgbClr r="0" g="0" b="0"/>
+        </a:fillRef>
+        <a:effectRef idx="0">
+          <a:scrgbClr r="0" g="0" b="0"/>
+        </a:effectRef>
         <a:fontRef idx="none"/>
       </a:style>
     </a:txDef>
   </a:objectDefaults>
+  <a:extraClrSchemeLst/>
 </a:theme>
 </file>